--- a/ShoppingManagement/QG汇报尹俊标.pptx
+++ b/ShoppingManagement/QG汇报尹俊标.pptx
@@ -26,28 +26,29 @@
     <p:sldId id="341" r:id="rId19"/>
     <p:sldId id="343" r:id="rId20"/>
     <p:sldId id="325" r:id="rId21"/>
-    <p:sldId id="342" r:id="rId22"/>
-    <p:sldId id="345" r:id="rId23"/>
-    <p:sldId id="322" r:id="rId24"/>
+    <p:sldId id="345" r:id="rId22"/>
+    <p:sldId id="363" r:id="rId23"/>
+    <p:sldId id="364" r:id="rId24"/>
+    <p:sldId id="322" r:id="rId25"/>
   </p:sldIdLst>
   <p:sldSz cx="12192000" cy="6858000"/>
   <p:notesSz cx="6858000" cy="9144000"/>
   <p:embeddedFontLst>
     <p:embeddedFont>
       <p:font typeface="微软雅黑" panose="020B0503020204020204" pitchFamily="34" charset="-122"/>
-      <p:regular r:id="rId28"/>
+      <p:regular r:id="rId31"/>
     </p:embeddedFont>
     <p:embeddedFont>
       <p:font typeface="等线" panose="02010600030101010101" charset="-122"/>
-      <p:regular r:id="rId29"/>
+      <p:regular r:id="rId32"/>
     </p:embeddedFont>
     <p:embeddedFont>
       <p:font typeface="等线 Light" panose="02010600030101010101" charset="-122"/>
-      <p:regular r:id="rId30"/>
+      <p:regular r:id="rId33"/>
     </p:embeddedFont>
   </p:embeddedFontLst>
   <p:custDataLst>
-    <p:tags r:id="rId31"/>
+    <p:tags r:id="rId34"/>
   </p:custDataLst>
   <p:defaultTextStyle>
     <a:defPPr>
@@ -147,7 +148,7 @@
   <p:extLst>
     <p:ext uri="{EFAFB233-063F-42B5-8137-9DF3F51BA10A}">
       <p15:sldGuideLst xmlns:p15="http://schemas.microsoft.com/office/powerpoint/2012/main">
-        <p15:guide id="1" orient="horz" pos="2137" userDrawn="1">
+        <p15:guide id="1" orient="horz" pos="2153" userDrawn="1">
           <p15:clr>
             <a:srgbClr val="A4A3A4"/>
           </p15:clr>
@@ -5190,9 +5191,15 @@
 <p:sldMaster xmlns:a="http://schemas.openxmlformats.org/drawingml/2006/main" xmlns:r="http://schemas.openxmlformats.org/officeDocument/2006/relationships" xmlns:p="http://schemas.openxmlformats.org/presentationml/2006/main">
   <p:cSld>
     <p:bg>
-      <p:bgRef idx="1001">
-        <a:schemeClr val="bg1"/>
-      </p:bgRef>
+      <p:bgPr>
+        <a:solidFill>
+          <a:schemeClr val="accent2">
+            <a:lumMod val="20000"/>
+            <a:lumOff val="80000"/>
+          </a:schemeClr>
+        </a:solidFill>
+        <a:effectLst/>
+      </p:bgPr>
     </p:bg>
     <p:spTree>
       <p:nvGrpSpPr>
@@ -5727,9 +5734,15 @@
 <p:sldMaster xmlns:a="http://schemas.openxmlformats.org/drawingml/2006/main" xmlns:r="http://schemas.openxmlformats.org/officeDocument/2006/relationships" xmlns:p="http://schemas.openxmlformats.org/presentationml/2006/main">
   <p:cSld>
     <p:bg>
-      <p:bgRef idx="1001">
-        <a:schemeClr val="bg1"/>
-      </p:bgRef>
+      <p:bgPr>
+        <a:solidFill>
+          <a:schemeClr val="accent2">
+            <a:lumMod val="20000"/>
+            <a:lumOff val="80000"/>
+          </a:schemeClr>
+        </a:solidFill>
+        <a:effectLst/>
+      </p:bgPr>
     </p:bg>
     <p:spTree>
       <p:nvGrpSpPr>
@@ -6263,6 +6276,14 @@
 <file path=ppt/slides/slide1.xml><?xml version="1.0" encoding="utf-8"?>
 <p:sld xmlns:a="http://schemas.openxmlformats.org/drawingml/2006/main" xmlns:r="http://schemas.openxmlformats.org/officeDocument/2006/relationships" xmlns:p="http://schemas.openxmlformats.org/presentationml/2006/main">
   <p:cSld>
+    <p:bg>
+      <p:bgPr>
+        <a:solidFill>
+          <a:schemeClr val="bg1"/>
+        </a:solidFill>
+        <a:effectLst/>
+      </p:bgPr>
+    </p:bg>
     <p:spTree>
       <p:nvGrpSpPr>
         <p:cNvPr id="1" name=""/>
@@ -6395,52 +6416,6 @@
       </p:sp>
       <p:sp>
         <p:nvSpPr>
-          <p:cNvPr id="7" name="文本框 6"/>
-          <p:cNvSpPr txBox="1"/>
-          <p:nvPr/>
-        </p:nvSpPr>
-        <p:spPr>
-          <a:xfrm>
-            <a:off x="983847" y="3274139"/>
-            <a:ext cx="3941133" cy="523220"/>
-          </a:xfrm>
-          <a:prstGeom prst="rect">
-            <a:avLst/>
-          </a:prstGeom>
-          <a:noFill/>
-        </p:spPr>
-        <p:txBody>
-          <a:bodyPr wrap="square" rtlCol="0">
-            <a:spAutoFit/>
-          </a:bodyPr>
-          <a:lstStyle/>
-          <a:p>
-            <a:r>
-              <a:rPr lang="zh-CN" altLang="en-US" sz="2800" b="1" dirty="0">
-                <a:solidFill>
-                  <a:schemeClr val="bg1">
-                    <a:alpha val="80000"/>
-                  </a:schemeClr>
-                </a:solidFill>
-                <a:latin typeface="微软雅黑" panose="020B0503020204020204" pitchFamily="34" charset="-122"/>
-                <a:ea typeface="微软雅黑" panose="020B0503020204020204" pitchFamily="34" charset="-122"/>
-              </a:rPr>
-              <a:t>答辩汇报模板</a:t>
-            </a:r>
-            <a:endParaRPr lang="zh-CN" altLang="en-US" sz="2800" b="1" dirty="0">
-              <a:solidFill>
-                <a:schemeClr val="bg1">
-                  <a:alpha val="80000"/>
-                </a:schemeClr>
-              </a:solidFill>
-              <a:latin typeface="微软雅黑" panose="020B0503020204020204" pitchFamily="34" charset="-122"/>
-              <a:ea typeface="微软雅黑" panose="020B0503020204020204" pitchFamily="34" charset="-122"/>
-            </a:endParaRPr>
-          </a:p>
-        </p:txBody>
-      </p:sp>
-      <p:sp>
-        <p:nvSpPr>
           <p:cNvPr id="8" name="文本框 7"/>
           <p:cNvSpPr txBox="1"/>
           <p:nvPr/>
@@ -6506,7 +6481,7 @@
         <p:spPr>
           <a:xfrm>
             <a:off x="983847" y="5926209"/>
-            <a:ext cx="4125432" cy="461665"/>
+            <a:ext cx="4125432" cy="460375"/>
           </a:xfrm>
           <a:prstGeom prst="rect">
             <a:avLst/>
@@ -6565,7 +6540,7 @@
                 <a:latin typeface="微软雅黑" panose="020B0503020204020204" pitchFamily="34" charset="-122"/>
                 <a:ea typeface="微软雅黑" panose="020B0503020204020204" pitchFamily="34" charset="-122"/>
               </a:rPr>
-              <a:t>xx</a:t>
+              <a:t>5</a:t>
             </a:r>
             <a:r>
               <a:rPr lang="zh-CN" altLang="en-US" sz="2400" dirty="0">
@@ -6589,7 +6564,7 @@
                 <a:latin typeface="微软雅黑" panose="020B0503020204020204" pitchFamily="34" charset="-122"/>
                 <a:ea typeface="微软雅黑" panose="020B0503020204020204" pitchFamily="34" charset="-122"/>
               </a:rPr>
-              <a:t>xx</a:t>
+              <a:t>7</a:t>
             </a:r>
             <a:r>
               <a:rPr lang="zh-CN" altLang="en-US" sz="2400" dirty="0">
@@ -7208,7 +7183,7 @@
         </p:blipFill>
         <p:spPr>
           <a:xfrm>
-            <a:off x="968375" y="1578610"/>
+            <a:off x="1567815" y="1522730"/>
             <a:ext cx="6352540" cy="4481195"/>
           </a:xfrm>
           <a:prstGeom prst="rect">
@@ -7221,12 +7196,103 @@
   <p:clrMapOvr>
     <a:masterClrMapping/>
   </p:clrMapOvr>
+  <p:timing>
+    <p:tnLst>
+      <p:par>
+        <p:cTn id="1" dur="indefinite" restart="never" nodeType="tmRoot">
+          <p:childTnLst>
+            <p:seq concurrent="1" nextAc="seek">
+              <p:cTn id="2" dur="indefinite" nodeType="mainSeq">
+                <p:childTnLst>
+                  <p:par>
+                    <p:cTn id="3" fill="hold">
+                      <p:stCondLst>
+                        <p:cond delay="indefinite"/>
+                      </p:stCondLst>
+                      <p:childTnLst>
+                        <p:par>
+                          <p:cTn id="4" fill="hold">
+                            <p:stCondLst>
+                              <p:cond delay="0"/>
+                            </p:stCondLst>
+                            <p:childTnLst>
+                              <p:par>
+                                <p:cTn id="5" presetID="3" presetClass="entr" presetSubtype="10" fill="hold" nodeType="clickEffect">
+                                  <p:stCondLst>
+                                    <p:cond delay="0"/>
+                                  </p:stCondLst>
+                                  <p:childTnLst>
+                                    <p:set>
+                                      <p:cBhvr>
+                                        <p:cTn id="6" dur="1" fill="hold">
+                                          <p:stCondLst>
+                                            <p:cond delay="0"/>
+                                          </p:stCondLst>
+                                        </p:cTn>
+                                        <p:tgtEl>
+                                          <p:spTgt spid="5"/>
+                                        </p:tgtEl>
+                                        <p:attrNameLst>
+                                          <p:attrName>style.visibility</p:attrName>
+                                        </p:attrNameLst>
+                                      </p:cBhvr>
+                                      <p:to>
+                                        <p:strVal val="visible"/>
+                                      </p:to>
+                                    </p:set>
+                                    <p:animEffect transition="in" filter="blinds(horizontal)">
+                                      <p:cBhvr>
+                                        <p:cTn id="7" dur="500"/>
+                                        <p:tgtEl>
+                                          <p:spTgt spid="5"/>
+                                        </p:tgtEl>
+                                      </p:cBhvr>
+                                    </p:animEffect>
+                                  </p:childTnLst>
+                                </p:cTn>
+                              </p:par>
+                            </p:childTnLst>
+                          </p:cTn>
+                        </p:par>
+                      </p:childTnLst>
+                    </p:cTn>
+                  </p:par>
+                </p:childTnLst>
+              </p:cTn>
+              <p:prevCondLst>
+                <p:cond evt="onPrev" delay="0">
+                  <p:tgtEl>
+                    <p:sldTgt/>
+                  </p:tgtEl>
+                </p:cond>
+              </p:prevCondLst>
+              <p:nextCondLst>
+                <p:cond evt="onNext" delay="0">
+                  <p:tgtEl>
+                    <p:sldTgt/>
+                  </p:tgtEl>
+                </p:cond>
+              </p:nextCondLst>
+            </p:seq>
+          </p:childTnLst>
+        </p:cTn>
+      </p:par>
+    </p:tnLst>
+  </p:timing>
 </p:sld>
 </file>
 
 <file path=ppt/slides/slide11.xml><?xml version="1.0" encoding="utf-8"?>
 <p:sld xmlns:a="http://schemas.openxmlformats.org/drawingml/2006/main" xmlns:r="http://schemas.openxmlformats.org/officeDocument/2006/relationships" xmlns:p="http://schemas.openxmlformats.org/presentationml/2006/main">
   <p:cSld>
+    <p:bg>
+      <p:bgPr>
+        <a:solidFill>
+          <a:schemeClr val="bg1"/>
+        </a:solidFill>
+        <a:effectLst/>
+      </p:bgPr>
+    </p:bg>
     <p:spTree>
       <p:nvGrpSpPr>
         <p:cNvPr id="1" name=""/>
@@ -7658,9 +7724,6 @@
               <a:ext uri="{28A0092B-C50C-407E-A947-70E740481C1C}">
                 <a14:useLocalDpi xmlns:a14="http://schemas.microsoft.com/office/drawing/2010/main" val="0"/>
               </a:ext>
-              <a:ext uri="{96DAC541-7B7A-43D3-8B79-37D633B846F1}">
-                <asvg:svgBlip xmlns:asvg="http://schemas.microsoft.com/office/drawing/2016/SVG/main" r:embed="rId2"/>
-              </a:ext>
             </a:extLst>
           </a:blip>
           <a:stretch>
@@ -7823,9 +7886,6 @@
               <a:ext uri="{28A0092B-C50C-407E-A947-70E740481C1C}">
                 <a14:useLocalDpi xmlns:a14="http://schemas.microsoft.com/office/drawing/2010/main" val="0"/>
               </a:ext>
-              <a:ext uri="{96DAC541-7B7A-43D3-8B79-37D633B846F1}">
-                <asvg:svgBlip xmlns:asvg="http://schemas.microsoft.com/office/drawing/2016/SVG/main" r:embed="rId2"/>
-              </a:ext>
             </a:extLst>
           </a:blip>
           <a:stretch>
@@ -8114,14 +8174,14 @@
           <p:nvPr/>
         </p:nvPicPr>
         <p:blipFill>
-          <a:blip r:embed="rId3"/>
+          <a:blip r:embed="rId2"/>
           <a:stretch>
             <a:fillRect/>
           </a:stretch>
         </p:blipFill>
         <p:spPr>
           <a:xfrm>
-            <a:off x="968375" y="1391920"/>
+            <a:off x="1475105" y="1391920"/>
             <a:ext cx="6525895" cy="4789170"/>
           </a:xfrm>
           <a:prstGeom prst="rect">
@@ -8134,6 +8194,89 @@
   <p:clrMapOvr>
     <a:masterClrMapping/>
   </p:clrMapOvr>
+  <p:timing>
+    <p:tnLst>
+      <p:par>
+        <p:cTn id="1" dur="indefinite" restart="never" nodeType="tmRoot">
+          <p:childTnLst>
+            <p:seq concurrent="1" nextAc="seek">
+              <p:cTn id="2" dur="indefinite" nodeType="mainSeq">
+                <p:childTnLst>
+                  <p:par>
+                    <p:cTn id="3" fill="hold">
+                      <p:stCondLst>
+                        <p:cond delay="indefinite"/>
+                      </p:stCondLst>
+                      <p:childTnLst>
+                        <p:par>
+                          <p:cTn id="4" fill="hold">
+                            <p:stCondLst>
+                              <p:cond delay="0"/>
+                            </p:stCondLst>
+                            <p:childTnLst>
+                              <p:par>
+                                <p:cTn id="5" presetID="4" presetClass="entr" presetSubtype="16" fill="hold" nodeType="clickEffect">
+                                  <p:stCondLst>
+                                    <p:cond delay="0"/>
+                                  </p:stCondLst>
+                                  <p:childTnLst>
+                                    <p:set>
+                                      <p:cBhvr>
+                                        <p:cTn id="6" dur="1" fill="hold">
+                                          <p:stCondLst>
+                                            <p:cond delay="0"/>
+                                          </p:stCondLst>
+                                        </p:cTn>
+                                        <p:tgtEl>
+                                          <p:spTgt spid="12"/>
+                                        </p:tgtEl>
+                                        <p:attrNameLst>
+                                          <p:attrName>style.visibility</p:attrName>
+                                        </p:attrNameLst>
+                                      </p:cBhvr>
+                                      <p:to>
+                                        <p:strVal val="visible"/>
+                                      </p:to>
+                                    </p:set>
+                                    <p:animEffect transition="in" filter="box(in)">
+                                      <p:cBhvr>
+                                        <p:cTn id="7" dur="2000"/>
+                                        <p:tgtEl>
+                                          <p:spTgt spid="12"/>
+                                        </p:tgtEl>
+                                      </p:cBhvr>
+                                    </p:animEffect>
+                                  </p:childTnLst>
+                                </p:cTn>
+                              </p:par>
+                            </p:childTnLst>
+                          </p:cTn>
+                        </p:par>
+                      </p:childTnLst>
+                    </p:cTn>
+                  </p:par>
+                </p:childTnLst>
+              </p:cTn>
+              <p:prevCondLst>
+                <p:cond evt="onPrev" delay="0">
+                  <p:tgtEl>
+                    <p:sldTgt/>
+                  </p:tgtEl>
+                </p:cond>
+              </p:prevCondLst>
+              <p:nextCondLst>
+                <p:cond evt="onNext" delay="0">
+                  <p:tgtEl>
+                    <p:sldTgt/>
+                  </p:tgtEl>
+                </p:cond>
+              </p:nextCondLst>
+            </p:seq>
+          </p:childTnLst>
+        </p:cTn>
+      </p:par>
+    </p:tnLst>
+  </p:timing>
 </p:sld>
 </file>
 
@@ -8287,9 +8430,6 @@
               <a:ext uri="{28A0092B-C50C-407E-A947-70E740481C1C}">
                 <a14:useLocalDpi xmlns:a14="http://schemas.microsoft.com/office/drawing/2010/main" val="0"/>
               </a:ext>
-              <a:ext uri="{96DAC541-7B7A-43D3-8B79-37D633B846F1}">
-                <asvg:svgBlip xmlns:asvg="http://schemas.microsoft.com/office/drawing/2016/SVG/main" r:embed="rId2"/>
-              </a:ext>
             </a:extLst>
           </a:blip>
           <a:stretch>
@@ -8571,22 +8711,22 @@
       </p:sp>
       <p:pic>
         <p:nvPicPr>
-          <p:cNvPr id="7" name="图片 6" descr="UML 图 (6)"/>
+          <p:cNvPr id="12" name="图片 11" descr="UML 图 (13)"/>
           <p:cNvPicPr>
             <a:picLocks noChangeAspect="1"/>
           </p:cNvPicPr>
           <p:nvPr/>
         </p:nvPicPr>
         <p:blipFill>
-          <a:blip r:embed="rId3"/>
+          <a:blip r:embed="rId2"/>
           <a:stretch>
             <a:fillRect/>
           </a:stretch>
         </p:blipFill>
         <p:spPr>
           <a:xfrm>
-            <a:off x="735965" y="1299845"/>
-            <a:ext cx="6711315" cy="6066790"/>
+            <a:off x="2141855" y="1268730"/>
+            <a:ext cx="5654040" cy="5111115"/>
           </a:xfrm>
           <a:prstGeom prst="rect">
             <a:avLst/>
@@ -8598,6 +8738,89 @@
   <p:clrMapOvr>
     <a:masterClrMapping/>
   </p:clrMapOvr>
+  <p:timing>
+    <p:tnLst>
+      <p:par>
+        <p:cTn id="1" dur="indefinite" restart="never" nodeType="tmRoot">
+          <p:childTnLst>
+            <p:seq concurrent="1" nextAc="seek">
+              <p:cTn id="2" dur="indefinite" nodeType="mainSeq">
+                <p:childTnLst>
+                  <p:par>
+                    <p:cTn id="3" fill="hold">
+                      <p:stCondLst>
+                        <p:cond delay="indefinite"/>
+                      </p:stCondLst>
+                      <p:childTnLst>
+                        <p:par>
+                          <p:cTn id="4" fill="hold">
+                            <p:stCondLst>
+                              <p:cond delay="0"/>
+                            </p:stCondLst>
+                            <p:childTnLst>
+                              <p:par>
+                                <p:cTn id="5" presetID="4" presetClass="entr" presetSubtype="16" fill="hold" nodeType="clickEffect">
+                                  <p:stCondLst>
+                                    <p:cond delay="0"/>
+                                  </p:stCondLst>
+                                  <p:childTnLst>
+                                    <p:set>
+                                      <p:cBhvr>
+                                        <p:cTn id="6" dur="1" fill="hold">
+                                          <p:stCondLst>
+                                            <p:cond delay="0"/>
+                                          </p:stCondLst>
+                                        </p:cTn>
+                                        <p:tgtEl>
+                                          <p:spTgt spid="12"/>
+                                        </p:tgtEl>
+                                        <p:attrNameLst>
+                                          <p:attrName>style.visibility</p:attrName>
+                                        </p:attrNameLst>
+                                      </p:cBhvr>
+                                      <p:to>
+                                        <p:strVal val="visible"/>
+                                      </p:to>
+                                    </p:set>
+                                    <p:animEffect transition="in" filter="box(in)">
+                                      <p:cBhvr>
+                                        <p:cTn id="7" dur="2000"/>
+                                        <p:tgtEl>
+                                          <p:spTgt spid="12"/>
+                                        </p:tgtEl>
+                                      </p:cBhvr>
+                                    </p:animEffect>
+                                  </p:childTnLst>
+                                </p:cTn>
+                              </p:par>
+                            </p:childTnLst>
+                          </p:cTn>
+                        </p:par>
+                      </p:childTnLst>
+                    </p:cTn>
+                  </p:par>
+                </p:childTnLst>
+              </p:cTn>
+              <p:prevCondLst>
+                <p:cond evt="onPrev" delay="0">
+                  <p:tgtEl>
+                    <p:sldTgt/>
+                  </p:tgtEl>
+                </p:cond>
+              </p:prevCondLst>
+              <p:nextCondLst>
+                <p:cond evt="onNext" delay="0">
+                  <p:tgtEl>
+                    <p:sldTgt/>
+                  </p:tgtEl>
+                </p:cond>
+              </p:nextCondLst>
+            </p:seq>
+          </p:childTnLst>
+        </p:cTn>
+      </p:par>
+    </p:tnLst>
+  </p:timing>
 </p:sld>
 </file>
 
@@ -8751,9 +8974,6 @@
               <a:ext uri="{28A0092B-C50C-407E-A947-70E740481C1C}">
                 <a14:useLocalDpi xmlns:a14="http://schemas.microsoft.com/office/drawing/2010/main" val="0"/>
               </a:ext>
-              <a:ext uri="{96DAC541-7B7A-43D3-8B79-37D633B846F1}">
-                <asvg:svgBlip xmlns:asvg="http://schemas.microsoft.com/office/drawing/2016/SVG/main" r:embed="rId2"/>
-              </a:ext>
             </a:extLst>
           </a:blip>
           <a:stretch>
@@ -9042,14 +9262,14 @@
           <p:nvPr/>
         </p:nvPicPr>
         <p:blipFill>
-          <a:blip r:embed="rId3"/>
+          <a:blip r:embed="rId2"/>
           <a:stretch>
             <a:fillRect/>
           </a:stretch>
         </p:blipFill>
         <p:spPr>
           <a:xfrm>
-            <a:off x="294640" y="1421130"/>
+            <a:off x="968375" y="1421130"/>
             <a:ext cx="7924800" cy="4989830"/>
           </a:xfrm>
           <a:prstGeom prst="rect">
@@ -9062,6 +9282,89 @@
   <p:clrMapOvr>
     <a:masterClrMapping/>
   </p:clrMapOvr>
+  <p:timing>
+    <p:tnLst>
+      <p:par>
+        <p:cTn id="1" dur="indefinite" restart="never" nodeType="tmRoot">
+          <p:childTnLst>
+            <p:seq concurrent="1" nextAc="seek">
+              <p:cTn id="2" dur="indefinite" nodeType="mainSeq">
+                <p:childTnLst>
+                  <p:par>
+                    <p:cTn id="3" fill="hold">
+                      <p:stCondLst>
+                        <p:cond delay="indefinite"/>
+                      </p:stCondLst>
+                      <p:childTnLst>
+                        <p:par>
+                          <p:cTn id="4" fill="hold">
+                            <p:stCondLst>
+                              <p:cond delay="0"/>
+                            </p:stCondLst>
+                            <p:childTnLst>
+                              <p:par>
+                                <p:cTn id="5" presetID="4" presetClass="entr" presetSubtype="16" fill="hold" nodeType="clickEffect">
+                                  <p:stCondLst>
+                                    <p:cond delay="0"/>
+                                  </p:stCondLst>
+                                  <p:childTnLst>
+                                    <p:set>
+                                      <p:cBhvr>
+                                        <p:cTn id="6" dur="1" fill="hold">
+                                          <p:stCondLst>
+                                            <p:cond delay="0"/>
+                                          </p:stCondLst>
+                                        </p:cTn>
+                                        <p:tgtEl>
+                                          <p:spTgt spid="5"/>
+                                        </p:tgtEl>
+                                        <p:attrNameLst>
+                                          <p:attrName>style.visibility</p:attrName>
+                                        </p:attrNameLst>
+                                      </p:cBhvr>
+                                      <p:to>
+                                        <p:strVal val="visible"/>
+                                      </p:to>
+                                    </p:set>
+                                    <p:animEffect transition="in" filter="box(in)">
+                                      <p:cBhvr>
+                                        <p:cTn id="7" dur="2000"/>
+                                        <p:tgtEl>
+                                          <p:spTgt spid="5"/>
+                                        </p:tgtEl>
+                                      </p:cBhvr>
+                                    </p:animEffect>
+                                  </p:childTnLst>
+                                </p:cTn>
+                              </p:par>
+                            </p:childTnLst>
+                          </p:cTn>
+                        </p:par>
+                      </p:childTnLst>
+                    </p:cTn>
+                  </p:par>
+                </p:childTnLst>
+              </p:cTn>
+              <p:prevCondLst>
+                <p:cond evt="onPrev" delay="0">
+                  <p:tgtEl>
+                    <p:sldTgt/>
+                  </p:tgtEl>
+                </p:cond>
+              </p:prevCondLst>
+              <p:nextCondLst>
+                <p:cond evt="onNext" delay="0">
+                  <p:tgtEl>
+                    <p:sldTgt/>
+                  </p:tgtEl>
+                </p:cond>
+              </p:nextCondLst>
+            </p:seq>
+          </p:childTnLst>
+        </p:cTn>
+      </p:par>
+    </p:tnLst>
+  </p:timing>
 </p:sld>
 </file>
 
@@ -9205,9 +9508,6 @@
               <a:ext uri="{28A0092B-C50C-407E-A947-70E740481C1C}">
                 <a14:useLocalDpi xmlns:a14="http://schemas.microsoft.com/office/drawing/2010/main" val="0"/>
               </a:ext>
-              <a:ext uri="{96DAC541-7B7A-43D3-8B79-37D633B846F1}">
-                <asvg:svgBlip xmlns:asvg="http://schemas.microsoft.com/office/drawing/2016/SVG/main" r:embed="rId2"/>
-              </a:ext>
             </a:extLst>
           </a:blip>
           <a:stretch>
@@ -9496,14 +9796,14 @@
           <p:nvPr/>
         </p:nvPicPr>
         <p:blipFill>
-          <a:blip r:embed="rId3"/>
+          <a:blip r:embed="rId2"/>
           <a:stretch>
             <a:fillRect/>
           </a:stretch>
         </p:blipFill>
         <p:spPr>
           <a:xfrm>
-            <a:off x="1083310" y="1658620"/>
+            <a:off x="968375" y="1658620"/>
             <a:ext cx="7834630" cy="3354070"/>
           </a:xfrm>
           <a:prstGeom prst="rect">
@@ -9516,6 +9816,89 @@
   <p:clrMapOvr>
     <a:masterClrMapping/>
   </p:clrMapOvr>
+  <p:timing>
+    <p:tnLst>
+      <p:par>
+        <p:cTn id="1" dur="indefinite" restart="never" nodeType="tmRoot">
+          <p:childTnLst>
+            <p:seq concurrent="1" nextAc="seek">
+              <p:cTn id="2" dur="indefinite" nodeType="mainSeq">
+                <p:childTnLst>
+                  <p:par>
+                    <p:cTn id="3" fill="hold">
+                      <p:stCondLst>
+                        <p:cond delay="indefinite"/>
+                      </p:stCondLst>
+                      <p:childTnLst>
+                        <p:par>
+                          <p:cTn id="4" fill="hold">
+                            <p:stCondLst>
+                              <p:cond delay="0"/>
+                            </p:stCondLst>
+                            <p:childTnLst>
+                              <p:par>
+                                <p:cTn id="5" presetID="4" presetClass="entr" presetSubtype="16" fill="hold" nodeType="clickEffect">
+                                  <p:stCondLst>
+                                    <p:cond delay="0"/>
+                                  </p:stCondLst>
+                                  <p:childTnLst>
+                                    <p:set>
+                                      <p:cBhvr>
+                                        <p:cTn id="6" dur="1" fill="hold">
+                                          <p:stCondLst>
+                                            <p:cond delay="0"/>
+                                          </p:stCondLst>
+                                        </p:cTn>
+                                        <p:tgtEl>
+                                          <p:spTgt spid="5"/>
+                                        </p:tgtEl>
+                                        <p:attrNameLst>
+                                          <p:attrName>style.visibility</p:attrName>
+                                        </p:attrNameLst>
+                                      </p:cBhvr>
+                                      <p:to>
+                                        <p:strVal val="visible"/>
+                                      </p:to>
+                                    </p:set>
+                                    <p:animEffect transition="in" filter="box(in)">
+                                      <p:cBhvr>
+                                        <p:cTn id="7" dur="2000"/>
+                                        <p:tgtEl>
+                                          <p:spTgt spid="5"/>
+                                        </p:tgtEl>
+                                      </p:cBhvr>
+                                    </p:animEffect>
+                                  </p:childTnLst>
+                                </p:cTn>
+                              </p:par>
+                            </p:childTnLst>
+                          </p:cTn>
+                        </p:par>
+                      </p:childTnLst>
+                    </p:cTn>
+                  </p:par>
+                </p:childTnLst>
+              </p:cTn>
+              <p:prevCondLst>
+                <p:cond evt="onPrev" delay="0">
+                  <p:tgtEl>
+                    <p:sldTgt/>
+                  </p:tgtEl>
+                </p:cond>
+              </p:prevCondLst>
+              <p:nextCondLst>
+                <p:cond evt="onNext" delay="0">
+                  <p:tgtEl>
+                    <p:sldTgt/>
+                  </p:tgtEl>
+                </p:cond>
+              </p:nextCondLst>
+            </p:seq>
+          </p:childTnLst>
+        </p:cTn>
+      </p:par>
+    </p:tnLst>
+  </p:timing>
 </p:sld>
 </file>
 
@@ -9594,7 +9977,7 @@
         <p:spPr>
           <a:xfrm>
             <a:off x="1424940" y="509905"/>
-            <a:ext cx="3538220" cy="829945"/>
+            <a:ext cx="4983480" cy="460375"/>
           </a:xfrm>
           <a:prstGeom prst="rect">
             <a:avLst/>
@@ -9668,9 +10051,6 @@
             <a:extLst>
               <a:ext uri="{28A0092B-C50C-407E-A947-70E740481C1C}">
                 <a14:useLocalDpi xmlns:a14="http://schemas.microsoft.com/office/drawing/2010/main" val="0"/>
-              </a:ext>
-              <a:ext uri="{96DAC541-7B7A-43D3-8B79-37D633B846F1}">
-                <asvg:svgBlip xmlns:asvg="http://schemas.microsoft.com/office/drawing/2016/SVG/main" r:embed="rId2"/>
               </a:ext>
             </a:extLst>
           </a:blip>
@@ -9960,14 +10340,14 @@
           <p:nvPr/>
         </p:nvPicPr>
         <p:blipFill>
-          <a:blip r:embed="rId3"/>
+          <a:blip r:embed="rId2"/>
           <a:stretch>
             <a:fillRect/>
           </a:stretch>
         </p:blipFill>
         <p:spPr>
           <a:xfrm>
-            <a:off x="968375" y="1757680"/>
+            <a:off x="2459355" y="1522730"/>
             <a:ext cx="4875530" cy="4544695"/>
           </a:xfrm>
           <a:prstGeom prst="rect">
@@ -9980,12 +10360,103 @@
   <p:clrMapOvr>
     <a:masterClrMapping/>
   </p:clrMapOvr>
+  <p:timing>
+    <p:tnLst>
+      <p:par>
+        <p:cTn id="1" dur="indefinite" restart="never" nodeType="tmRoot">
+          <p:childTnLst>
+            <p:seq concurrent="1" nextAc="seek">
+              <p:cTn id="2" dur="indefinite" nodeType="mainSeq">
+                <p:childTnLst>
+                  <p:par>
+                    <p:cTn id="3" fill="hold">
+                      <p:stCondLst>
+                        <p:cond delay="indefinite"/>
+                      </p:stCondLst>
+                      <p:childTnLst>
+                        <p:par>
+                          <p:cTn id="4" fill="hold">
+                            <p:stCondLst>
+                              <p:cond delay="0"/>
+                            </p:stCondLst>
+                            <p:childTnLst>
+                              <p:par>
+                                <p:cTn id="5" presetID="4" presetClass="entr" presetSubtype="16" fill="hold" nodeType="clickEffect">
+                                  <p:stCondLst>
+                                    <p:cond delay="0"/>
+                                  </p:stCondLst>
+                                  <p:childTnLst>
+                                    <p:set>
+                                      <p:cBhvr>
+                                        <p:cTn id="6" dur="1" fill="hold">
+                                          <p:stCondLst>
+                                            <p:cond delay="0"/>
+                                          </p:stCondLst>
+                                        </p:cTn>
+                                        <p:tgtEl>
+                                          <p:spTgt spid="12"/>
+                                        </p:tgtEl>
+                                        <p:attrNameLst>
+                                          <p:attrName>style.visibility</p:attrName>
+                                        </p:attrNameLst>
+                                      </p:cBhvr>
+                                      <p:to>
+                                        <p:strVal val="visible"/>
+                                      </p:to>
+                                    </p:set>
+                                    <p:animEffect transition="in" filter="box(in)">
+                                      <p:cBhvr>
+                                        <p:cTn id="7" dur="2000"/>
+                                        <p:tgtEl>
+                                          <p:spTgt spid="12"/>
+                                        </p:tgtEl>
+                                      </p:cBhvr>
+                                    </p:animEffect>
+                                  </p:childTnLst>
+                                </p:cTn>
+                              </p:par>
+                            </p:childTnLst>
+                          </p:cTn>
+                        </p:par>
+                      </p:childTnLst>
+                    </p:cTn>
+                  </p:par>
+                </p:childTnLst>
+              </p:cTn>
+              <p:prevCondLst>
+                <p:cond evt="onPrev" delay="0">
+                  <p:tgtEl>
+                    <p:sldTgt/>
+                  </p:tgtEl>
+                </p:cond>
+              </p:prevCondLst>
+              <p:nextCondLst>
+                <p:cond evt="onNext" delay="0">
+                  <p:tgtEl>
+                    <p:sldTgt/>
+                  </p:tgtEl>
+                </p:cond>
+              </p:nextCondLst>
+            </p:seq>
+          </p:childTnLst>
+        </p:cTn>
+      </p:par>
+    </p:tnLst>
+  </p:timing>
 </p:sld>
 </file>
 
 <file path=ppt/slides/slide17.xml><?xml version="1.0" encoding="utf-8"?>
 <p:sld xmlns:a="http://schemas.openxmlformats.org/drawingml/2006/main" xmlns:r="http://schemas.openxmlformats.org/officeDocument/2006/relationships" xmlns:p="http://schemas.openxmlformats.org/presentationml/2006/main">
   <p:cSld>
+    <p:bg>
+      <p:bgPr>
+        <a:solidFill>
+          <a:schemeClr val="bg1"/>
+        </a:solidFill>
+        <a:effectLst/>
+      </p:bgPr>
+    </p:bg>
     <p:spTree>
       <p:nvGrpSpPr>
         <p:cNvPr id="1" name=""/>
@@ -10407,9 +10878,6 @@
               <a:ext uri="{28A0092B-C50C-407E-A947-70E740481C1C}">
                 <a14:useLocalDpi xmlns:a14="http://schemas.microsoft.com/office/drawing/2010/main" val="0"/>
               </a:ext>
-              <a:ext uri="{96DAC541-7B7A-43D3-8B79-37D633B846F1}">
-                <asvg:svgBlip xmlns:asvg="http://schemas.microsoft.com/office/drawing/2016/SVG/main" r:embed="rId2"/>
-              </a:ext>
             </a:extLst>
           </a:blip>
           <a:stretch>
@@ -10572,9 +11040,6 @@
               <a:ext uri="{28A0092B-C50C-407E-A947-70E740481C1C}">
                 <a14:useLocalDpi xmlns:a14="http://schemas.microsoft.com/office/drawing/2010/main" val="0"/>
               </a:ext>
-              <a:ext uri="{96DAC541-7B7A-43D3-8B79-37D633B846F1}">
-                <asvg:svgBlip xmlns:asvg="http://schemas.microsoft.com/office/drawing/2016/SVG/main" r:embed="rId2"/>
-              </a:ext>
             </a:extLst>
           </a:blip>
           <a:stretch>
@@ -10864,8 +11329,8 @@
         </p:nvSpPr>
         <p:spPr>
           <a:xfrm>
-            <a:off x="1204595" y="1711325"/>
-            <a:ext cx="6200775" cy="750570"/>
+            <a:off x="1424940" y="1914525"/>
+            <a:ext cx="7703185" cy="2029460"/>
           </a:xfrm>
           <a:prstGeom prst="rect">
             <a:avLst/>
@@ -10877,66 +11342,106 @@
             <a:noAutofit/>
           </a:bodyPr>
           <a:p>
-            <a:r>
-              <a:rPr lang="zh-CN" altLang="en-US"/>
-              <a:t>在项目的开发过程中，先用了</a:t>
-            </a:r>
-            <a:r>
-              <a:rPr lang="en-US" altLang="zh-CN"/>
-              <a:t>1</a:t>
-            </a:r>
-            <a:r>
-              <a:rPr lang="zh-CN" altLang="en-US"/>
-              <a:t>天的时间完成了数据库表的创建，再用一天完成了登录业务，接下来的三天时间做了</a:t>
-            </a:r>
-            <a:r>
-              <a:rPr lang="en-US" altLang="zh-CN"/>
-              <a:t>dao</a:t>
-            </a:r>
-            <a:r>
-              <a:rPr lang="zh-CN" altLang="en-US"/>
-              <a:t>层和</a:t>
-            </a:r>
-            <a:r>
-              <a:rPr lang="en-US" altLang="zh-CN"/>
-              <a:t>service</a:t>
-            </a:r>
-            <a:r>
-              <a:rPr lang="zh-CN" altLang="en-US"/>
-              <a:t>层的编写，然后花了两天完成了商品的查询和购买以及加入购物车还有购物车的查询功能，在项目的中期完成了订单的查询和购物车的删除和购买功能，此时发现原来写的</a:t>
-            </a:r>
-            <a:r>
-              <a:rPr lang="en-US" altLang="zh-CN"/>
-              <a:t>dao</a:t>
-            </a:r>
-            <a:r>
-              <a:rPr lang="zh-CN" altLang="en-US"/>
-              <a:t>层和</a:t>
-            </a:r>
-            <a:r>
-              <a:rPr lang="en-US" altLang="zh-CN"/>
-              <a:t>service</a:t>
-            </a:r>
-            <a:r>
-              <a:rPr lang="zh-CN" altLang="en-US"/>
-              <a:t>层接口并不适用于实际业务，此时才发现初期构思的结构有一些不合理的地方，后面开始根据业务分块写接口，不再先把一个层的代码写完，在开发的后一周，第一天完成了订单的申请原款功能，第二天完成了订单申请退款的审核，</a:t>
-            </a:r>
+            <a:pPr indent="0" fontAlgn="auto">
+              <a:lnSpc>
+                <a:spcPct val="150000"/>
+              </a:lnSpc>
+            </a:pPr>
             <a:r>
               <a:rPr lang="zh-CN" altLang="en-US">
+                <a:latin typeface="微软雅黑" panose="020B0503020204020204" pitchFamily="34" charset="-122"/>
+                <a:ea typeface="微软雅黑" panose="020B0503020204020204" pitchFamily="34" charset="-122"/>
+                <a:cs typeface="微软雅黑" panose="020B0503020204020204" pitchFamily="34" charset="-122"/>
                 <a:sym typeface="+mn-ea"/>
               </a:rPr>
-              <a:t>第三天完成了商品的评论和回复功能，第四天完成了店铺的关注和查找用户功能，第五天完成店铺的推文发送和用户查找功能，最后完成商品或评论回复被删后的提醒消息功能和分页</a:t>
-            </a:r>
-            <a:r>
-              <a:rPr lang="zh-CN" altLang="en-US">
+              <a:t>项目前期的设计和准备时间较少，数据库表设计的不完整，</a:t>
+            </a:r>
+            <a:r>
+              <a:rPr lang="en-US" altLang="zh-CN">
+                <a:latin typeface="微软雅黑" panose="020B0503020204020204" pitchFamily="34" charset="-122"/>
+                <a:ea typeface="微软雅黑" panose="020B0503020204020204" pitchFamily="34" charset="-122"/>
+                <a:cs typeface="微软雅黑" panose="020B0503020204020204" pitchFamily="34" charset="-122"/>
                 <a:sym typeface="+mn-ea"/>
               </a:rPr>
-              <a:t>查询</a:t>
+              <a:t>dao</a:t>
+            </a:r>
+            <a:r>
+              <a:rPr lang="zh-CN" altLang="en-US">
+                <a:latin typeface="微软雅黑" panose="020B0503020204020204" pitchFamily="34" charset="-122"/>
+                <a:ea typeface="微软雅黑" panose="020B0503020204020204" pitchFamily="34" charset="-122"/>
+                <a:cs typeface="微软雅黑" panose="020B0503020204020204" pitchFamily="34" charset="-122"/>
+                <a:sym typeface="+mn-ea"/>
+              </a:rPr>
+              <a:t>层和</a:t>
+            </a:r>
+            <a:r>
+              <a:rPr lang="en-US" altLang="zh-CN">
+                <a:latin typeface="微软雅黑" panose="020B0503020204020204" pitchFamily="34" charset="-122"/>
+                <a:ea typeface="微软雅黑" panose="020B0503020204020204" pitchFamily="34" charset="-122"/>
+                <a:cs typeface="微软雅黑" panose="020B0503020204020204" pitchFamily="34" charset="-122"/>
+                <a:sym typeface="+mn-ea"/>
+              </a:rPr>
+              <a:t>service</a:t>
+            </a:r>
+            <a:r>
+              <a:rPr lang="zh-CN" altLang="en-US">
+                <a:latin typeface="微软雅黑" panose="020B0503020204020204" pitchFamily="34" charset="-122"/>
+                <a:ea typeface="微软雅黑" panose="020B0503020204020204" pitchFamily="34" charset="-122"/>
+                <a:cs typeface="微软雅黑" panose="020B0503020204020204" pitchFamily="34" charset="-122"/>
+                <a:sym typeface="+mn-ea"/>
+              </a:rPr>
+              <a:t>层代码与实际业务不符导致频繁</a:t>
+            </a:r>
+            <a:r>
+              <a:rPr lang="zh-CN" altLang="en-US">
+                <a:latin typeface="微软雅黑" panose="020B0503020204020204" pitchFamily="34" charset="-122"/>
+                <a:ea typeface="微软雅黑" panose="020B0503020204020204" pitchFamily="34" charset="-122"/>
+                <a:cs typeface="微软雅黑" panose="020B0503020204020204" pitchFamily="34" charset="-122"/>
+                <a:sym typeface="+mn-ea"/>
+              </a:rPr>
+              <a:t>更改</a:t>
             </a:r>
             <a:endParaRPr lang="zh-CN" altLang="en-US">
+              <a:latin typeface="微软雅黑" panose="020B0503020204020204" pitchFamily="34" charset="-122"/>
+              <a:ea typeface="微软雅黑" panose="020B0503020204020204" pitchFamily="34" charset="-122"/>
+              <a:cs typeface="微软雅黑" panose="020B0503020204020204" pitchFamily="34" charset="-122"/>
               <a:sym typeface="+mn-ea"/>
             </a:endParaRPr>
           </a:p>
+          <a:p>
+            <a:pPr indent="0" fontAlgn="auto">
+              <a:lnSpc>
+                <a:spcPct val="150000"/>
+              </a:lnSpc>
+            </a:pPr>
+            <a:endParaRPr lang="zh-CN" altLang="en-US">
+              <a:latin typeface="微软雅黑" panose="020B0503020204020204" pitchFamily="34" charset="-122"/>
+              <a:ea typeface="微软雅黑" panose="020B0503020204020204" pitchFamily="34" charset="-122"/>
+              <a:cs typeface="微软雅黑" panose="020B0503020204020204" pitchFamily="34" charset="-122"/>
+              <a:sym typeface="+mn-ea"/>
+            </a:endParaRPr>
+          </a:p>
+          <a:p>
+            <a:pPr indent="0" fontAlgn="auto">
+              <a:lnSpc>
+                <a:spcPct val="150000"/>
+              </a:lnSpc>
+            </a:pPr>
+            <a:r>
+              <a:rPr lang="zh-CN" altLang="en-US">
+                <a:latin typeface="微软雅黑" panose="020B0503020204020204" pitchFamily="34" charset="-122"/>
+                <a:ea typeface="微软雅黑" panose="020B0503020204020204" pitchFamily="34" charset="-122"/>
+                <a:sym typeface="+mn-ea"/>
+              </a:rPr>
+              <a:t>项目初期应预留充分时间准备，构思好大致框架再开始动工</a:t>
+            </a:r>
+            <a:endParaRPr lang="zh-CN" altLang="en-US">
+              <a:latin typeface="微软雅黑" panose="020B0503020204020204" pitchFamily="34" charset="-122"/>
+              <a:ea typeface="微软雅黑" panose="020B0503020204020204" pitchFamily="34" charset="-122"/>
+              <a:cs typeface="微软雅黑" panose="020B0503020204020204" pitchFamily="34" charset="-122"/>
+              <a:sym typeface="+mn-ea"/>
+            </a:endParaRPr>
+          </a:p>
         </p:txBody>
       </p:sp>
       <p:sp>
@@ -10947,8 +11452,8 @@
         </p:nvSpPr>
         <p:spPr>
           <a:xfrm>
-            <a:off x="1204595" y="1229995"/>
-            <a:ext cx="4140200" cy="390525"/>
+            <a:off x="1424940" y="1320800"/>
+            <a:ext cx="3831590" cy="390525"/>
           </a:xfrm>
           <a:prstGeom prst="rect">
             <a:avLst/>
@@ -10961,10 +11466,23 @@
           </a:bodyPr>
           <a:p>
             <a:r>
-              <a:rPr lang="zh-CN" altLang="en-US" b="1"/>
-              <a:t>项目复盘</a:t>
-            </a:r>
-            <a:endParaRPr lang="zh-CN" altLang="en-US" b="1"/>
+              <a:rPr lang="zh-CN" altLang="en-US" b="1">
+                <a:latin typeface="微软雅黑" panose="020B0503020204020204" pitchFamily="34" charset="-122"/>
+                <a:ea typeface="微软雅黑" panose="020B0503020204020204" pitchFamily="34" charset="-122"/>
+              </a:rPr>
+              <a:t>不足</a:t>
+            </a:r>
+            <a:r>
+              <a:rPr lang="zh-CN" altLang="en-US" b="1">
+                <a:latin typeface="微软雅黑" panose="020B0503020204020204" pitchFamily="34" charset="-122"/>
+                <a:ea typeface="微软雅黑" panose="020B0503020204020204" pitchFamily="34" charset="-122"/>
+              </a:rPr>
+              <a:t>与改进</a:t>
+            </a:r>
+            <a:endParaRPr lang="zh-CN" altLang="en-US" b="1">
+              <a:latin typeface="微软雅黑" panose="020B0503020204020204" pitchFamily="34" charset="-122"/>
+              <a:ea typeface="微软雅黑" panose="020B0503020204020204" pitchFamily="34" charset="-122"/>
+            </a:endParaRPr>
           </a:p>
         </p:txBody>
       </p:sp>
@@ -10973,6 +11491,93 @@
   <p:clrMapOvr>
     <a:masterClrMapping/>
   </p:clrMapOvr>
+  <p:timing>
+    <p:tnLst>
+      <p:par>
+        <p:cTn id="1" dur="indefinite" restart="never" nodeType="tmRoot">
+          <p:childTnLst>
+            <p:seq concurrent="1" nextAc="seek">
+              <p:cTn id="2" dur="indefinite" nodeType="mainSeq">
+                <p:childTnLst>
+                  <p:par>
+                    <p:cTn id="3" fill="hold">
+                      <p:stCondLst>
+                        <p:cond delay="indefinite"/>
+                      </p:stCondLst>
+                      <p:childTnLst>
+                        <p:par>
+                          <p:cTn id="4" fill="hold">
+                            <p:stCondLst>
+                              <p:cond delay="0"/>
+                            </p:stCondLst>
+                            <p:childTnLst>
+                              <p:par>
+                                <p:cTn id="5" presetID="20" presetClass="entr" presetSubtype="0" fill="hold" grpId="0" nodeType="clickEffect">
+                                  <p:stCondLst>
+                                    <p:cond delay="0"/>
+                                  </p:stCondLst>
+                                  <p:childTnLst>
+                                    <p:set>
+                                      <p:cBhvr>
+                                        <p:cTn id="6" dur="1" fill="hold">
+                                          <p:stCondLst>
+                                            <p:cond delay="0"/>
+                                          </p:stCondLst>
+                                        </p:cTn>
+                                        <p:tgtEl>
+                                          <p:spTgt spid="7"/>
+                                        </p:tgtEl>
+                                        <p:attrNameLst>
+                                          <p:attrName>style.visibility</p:attrName>
+                                        </p:attrNameLst>
+                                      </p:cBhvr>
+                                      <p:to>
+                                        <p:strVal val="visible"/>
+                                      </p:to>
+                                    </p:set>
+                                    <p:animEffect transition="in" filter="wedge">
+                                      <p:cBhvr>
+                                        <p:cTn id="7" dur="2000"/>
+                                        <p:tgtEl>
+                                          <p:spTgt spid="7"/>
+                                        </p:tgtEl>
+                                      </p:cBhvr>
+                                    </p:animEffect>
+                                  </p:childTnLst>
+                                </p:cTn>
+                              </p:par>
+                            </p:childTnLst>
+                          </p:cTn>
+                        </p:par>
+                      </p:childTnLst>
+                    </p:cTn>
+                  </p:par>
+                </p:childTnLst>
+              </p:cTn>
+              <p:prevCondLst>
+                <p:cond evt="onPrev" delay="0">
+                  <p:tgtEl>
+                    <p:sldTgt/>
+                  </p:tgtEl>
+                </p:cond>
+              </p:prevCondLst>
+              <p:nextCondLst>
+                <p:cond evt="onNext" delay="0">
+                  <p:tgtEl>
+                    <p:sldTgt/>
+                  </p:tgtEl>
+                </p:cond>
+              </p:nextCondLst>
+            </p:seq>
+          </p:childTnLst>
+        </p:cTn>
+      </p:par>
+    </p:tnLst>
+    <p:bldLst>
+      <p:bldP spid="7" grpId="0"/>
+      <p:bldP spid="7" grpId="1"/>
+    </p:bldLst>
+  </p:timing>
 </p:sld>
 </file>
 
@@ -11114,9 +11719,6 @@
               <a:ext uri="{28A0092B-C50C-407E-A947-70E740481C1C}">
                 <a14:useLocalDpi xmlns:a14="http://schemas.microsoft.com/office/drawing/2010/main" val="0"/>
               </a:ext>
-              <a:ext uri="{96DAC541-7B7A-43D3-8B79-37D633B846F1}">
-                <asvg:svgBlip xmlns:asvg="http://schemas.microsoft.com/office/drawing/2016/SVG/main" r:embed="rId2"/>
-              </a:ext>
             </a:extLst>
           </a:blip>
           <a:stretch>
@@ -11406,8 +12008,8 @@
         </p:nvSpPr>
         <p:spPr>
           <a:xfrm>
-            <a:off x="1204595" y="1711325"/>
-            <a:ext cx="6200775" cy="750570"/>
+            <a:off x="1424940" y="2615565"/>
+            <a:ext cx="7918450" cy="1007110"/>
           </a:xfrm>
           <a:prstGeom prst="rect">
             <a:avLst/>
@@ -11419,43 +12021,33 @@
             <a:noAutofit/>
           </a:bodyPr>
           <a:p>
+            <a:pPr indent="0" fontAlgn="auto">
+              <a:lnSpc>
+                <a:spcPct val="150000"/>
+              </a:lnSpc>
+            </a:pPr>
             <a:r>
               <a:rPr lang="zh-CN" altLang="en-US">
+                <a:latin typeface="微软雅黑" panose="020B0503020204020204" pitchFamily="34" charset="-122"/>
+                <a:ea typeface="微软雅黑" panose="020B0503020204020204" pitchFamily="34" charset="-122"/>
+                <a:cs typeface="微软雅黑" panose="020B0503020204020204" pitchFamily="34" charset="-122"/>
                 <a:sym typeface="+mn-ea"/>
               </a:rPr>
-              <a:t>项目的前期构思的时间比较少，导致设计出来的数据库表和初期写的</a:t>
-            </a:r>
-            <a:r>
-              <a:rPr lang="en-US" altLang="zh-CN">
+              <a:t>在用户购买商品生成订单前，先判断用户在一定时间内的订单数是否超过某一数值，如果超过一定数值则判定为刷单行为，不能继续</a:t>
+            </a:r>
+            <a:r>
+              <a:rPr lang="zh-CN" altLang="en-US">
+                <a:latin typeface="微软雅黑" panose="020B0503020204020204" pitchFamily="34" charset="-122"/>
+                <a:ea typeface="微软雅黑" panose="020B0503020204020204" pitchFamily="34" charset="-122"/>
+                <a:cs typeface="微软雅黑" panose="020B0503020204020204" pitchFamily="34" charset="-122"/>
                 <a:sym typeface="+mn-ea"/>
               </a:rPr>
-              <a:t>dao</a:t>
-            </a:r>
-            <a:r>
-              <a:rPr lang="zh-CN" altLang="en-US">
-                <a:sym typeface="+mn-ea"/>
-              </a:rPr>
-              <a:t>层和</a:t>
-            </a:r>
-            <a:r>
-              <a:rPr lang="en-US" altLang="zh-CN">
-                <a:sym typeface="+mn-ea"/>
-              </a:rPr>
-              <a:t>service</a:t>
-            </a:r>
-            <a:r>
-              <a:rPr lang="zh-CN" altLang="en-US">
-                <a:sym typeface="+mn-ea"/>
-              </a:rPr>
-              <a:t>层在后期出现问题，以后应该预留充分的时间构思底层模型再开始做，这样可以避免后续频繁更改，提高开发</a:t>
-            </a:r>
-            <a:r>
-              <a:rPr lang="zh-CN" altLang="en-US">
-                <a:sym typeface="+mn-ea"/>
-              </a:rPr>
-              <a:t>效率</a:t>
+              <a:t>购买</a:t>
             </a:r>
             <a:endParaRPr lang="zh-CN" altLang="en-US">
+              <a:latin typeface="微软雅黑" panose="020B0503020204020204" pitchFamily="34" charset="-122"/>
+              <a:ea typeface="微软雅黑" panose="020B0503020204020204" pitchFamily="34" charset="-122"/>
+              <a:cs typeface="微软雅黑" panose="020B0503020204020204" pitchFamily="34" charset="-122"/>
               <a:sym typeface="+mn-ea"/>
             </a:endParaRPr>
           </a:p>
@@ -11469,8 +12061,8 @@
         </p:nvSpPr>
         <p:spPr>
           <a:xfrm>
-            <a:off x="1204595" y="1229995"/>
-            <a:ext cx="4140200" cy="390525"/>
+            <a:off x="1424940" y="1522730"/>
+            <a:ext cx="3831590" cy="390525"/>
           </a:xfrm>
           <a:prstGeom prst="rect">
             <a:avLst/>
@@ -11483,57 +12075,209 @@
           </a:bodyPr>
           <a:p>
             <a:r>
-              <a:rPr lang="zh-CN" altLang="en-US" b="1"/>
-              <a:t>不足于</a:t>
-            </a:r>
-            <a:r>
-              <a:rPr lang="zh-CN" altLang="en-US" b="1"/>
-              <a:t>改进</a:t>
-            </a:r>
-            <a:endParaRPr lang="zh-CN" altLang="en-US" b="1"/>
-          </a:p>
-        </p:txBody>
-      </p:sp>
-      <p:sp>
-        <p:nvSpPr>
-          <p:cNvPr id="5" name="文本框 4"/>
-          <p:cNvSpPr txBox="1"/>
-          <p:nvPr/>
-        </p:nvSpPr>
-        <p:spPr>
-          <a:xfrm>
-            <a:off x="968375" y="3557270"/>
-            <a:ext cx="4832350" cy="922020"/>
+              <a:rPr lang="zh-CN" altLang="en-US" b="1">
+                <a:latin typeface="微软雅黑" panose="020B0503020204020204" pitchFamily="34" charset="-122"/>
+                <a:ea typeface="微软雅黑" panose="020B0503020204020204" pitchFamily="34" charset="-122"/>
+              </a:rPr>
+              <a:t>未实现功能：禁止刷单</a:t>
+            </a:r>
+            <a:r>
+              <a:rPr lang="zh-CN" altLang="en-US" b="1">
+                <a:latin typeface="微软雅黑" panose="020B0503020204020204" pitchFamily="34" charset="-122"/>
+                <a:ea typeface="微软雅黑" panose="020B0503020204020204" pitchFamily="34" charset="-122"/>
+              </a:rPr>
+              <a:t>功能</a:t>
+            </a:r>
+            <a:endParaRPr lang="zh-CN" altLang="en-US" b="1">
+              <a:latin typeface="微软雅黑" panose="020B0503020204020204" pitchFamily="34" charset="-122"/>
+              <a:ea typeface="微软雅黑" panose="020B0503020204020204" pitchFamily="34" charset="-122"/>
+            </a:endParaRPr>
+          </a:p>
+        </p:txBody>
+      </p:sp>
+      <p:pic>
+        <p:nvPicPr>
+          <p:cNvPr id="5" name="ECB019B1-382A-4266-B25C-5B523AA43C14-1" descr="wpp"/>
+          <p:cNvPicPr>
+            <a:picLocks noChangeAspect="1"/>
+          </p:cNvPicPr>
+          <p:nvPr/>
+        </p:nvPicPr>
+        <p:blipFill>
+          <a:blip r:embed="rId2"/>
+          <a:stretch>
+            <a:fillRect/>
+          </a:stretch>
+        </p:blipFill>
+        <p:spPr>
+          <a:xfrm>
+            <a:off x="792480" y="3523615"/>
+            <a:ext cx="8642350" cy="2032000"/>
           </a:xfrm>
           <a:prstGeom prst="rect">
             <a:avLst/>
           </a:prstGeom>
-          <a:noFill/>
-        </p:spPr>
-        <p:txBody>
-          <a:bodyPr wrap="square" rtlCol="0">
-            <a:spAutoFit/>
-          </a:bodyPr>
-          <a:p>
-            <a:r>
-              <a:rPr lang="zh-CN" altLang="en-US"/>
-              <a:t>还有时间原因没有完成的防止刷单的功能，可以在用户下单时计算一定时间内用户下单数量，超出一定范围则不允许购买。</a:t>
-            </a:r>
-            <a:endParaRPr lang="zh-CN" altLang="en-US"/>
-          </a:p>
-        </p:txBody>
-      </p:sp>
+        </p:spPr>
+      </p:pic>
     </p:spTree>
   </p:cSld>
   <p:clrMapOvr>
     <a:masterClrMapping/>
   </p:clrMapOvr>
+  <p:timing>
+    <p:tnLst>
+      <p:par>
+        <p:cTn id="1" dur="indefinite" restart="never" nodeType="tmRoot">
+          <p:childTnLst>
+            <p:seq concurrent="1" nextAc="seek">
+              <p:cTn id="2" dur="indefinite" nodeType="mainSeq">
+                <p:childTnLst>
+                  <p:par>
+                    <p:cTn id="3" fill="hold">
+                      <p:stCondLst>
+                        <p:cond delay="indefinite"/>
+                      </p:stCondLst>
+                      <p:childTnLst>
+                        <p:par>
+                          <p:cTn id="4" fill="hold">
+                            <p:stCondLst>
+                              <p:cond delay="0"/>
+                            </p:stCondLst>
+                            <p:childTnLst>
+                              <p:par>
+                                <p:cTn id="5" presetID="20" presetClass="entr" presetSubtype="0" fill="hold" grpId="0" nodeType="clickEffect">
+                                  <p:stCondLst>
+                                    <p:cond delay="0"/>
+                                  </p:stCondLst>
+                                  <p:childTnLst>
+                                    <p:set>
+                                      <p:cBhvr>
+                                        <p:cTn id="6" dur="1" fill="hold">
+                                          <p:stCondLst>
+                                            <p:cond delay="0"/>
+                                          </p:stCondLst>
+                                        </p:cTn>
+                                        <p:tgtEl>
+                                          <p:spTgt spid="7"/>
+                                        </p:tgtEl>
+                                        <p:attrNameLst>
+                                          <p:attrName>style.visibility</p:attrName>
+                                        </p:attrNameLst>
+                                      </p:cBhvr>
+                                      <p:to>
+                                        <p:strVal val="visible"/>
+                                      </p:to>
+                                    </p:set>
+                                    <p:animEffect transition="in" filter="wedge">
+                                      <p:cBhvr>
+                                        <p:cTn id="7" dur="2000"/>
+                                        <p:tgtEl>
+                                          <p:spTgt spid="7"/>
+                                        </p:tgtEl>
+                                      </p:cBhvr>
+                                    </p:animEffect>
+                                  </p:childTnLst>
+                                </p:cTn>
+                              </p:par>
+                            </p:childTnLst>
+                          </p:cTn>
+                        </p:par>
+                      </p:childTnLst>
+                    </p:cTn>
+                  </p:par>
+                  <p:par>
+                    <p:cTn id="8" fill="hold">
+                      <p:stCondLst>
+                        <p:cond delay="indefinite"/>
+                      </p:stCondLst>
+                      <p:childTnLst>
+                        <p:par>
+                          <p:cTn id="9" fill="hold">
+                            <p:stCondLst>
+                              <p:cond delay="0"/>
+                            </p:stCondLst>
+                            <p:childTnLst>
+                              <p:par>
+                                <p:cTn id="10" presetID="3" presetClass="entr" presetSubtype="10" fill="hold" nodeType="clickEffect">
+                                  <p:stCondLst>
+                                    <p:cond delay="0"/>
+                                  </p:stCondLst>
+                                  <p:childTnLst>
+                                    <p:set>
+                                      <p:cBhvr>
+                                        <p:cTn id="11" dur="1" fill="hold">
+                                          <p:stCondLst>
+                                            <p:cond delay="0"/>
+                                          </p:stCondLst>
+                                        </p:cTn>
+                                        <p:tgtEl>
+                                          <p:spTgt spid="5"/>
+                                        </p:tgtEl>
+                                        <p:attrNameLst>
+                                          <p:attrName>style.visibility</p:attrName>
+                                        </p:attrNameLst>
+                                      </p:cBhvr>
+                                      <p:to>
+                                        <p:strVal val="visible"/>
+                                      </p:to>
+                                    </p:set>
+                                    <p:animEffect transition="in" filter="blinds(horizontal)">
+                                      <p:cBhvr>
+                                        <p:cTn id="12" dur="500"/>
+                                        <p:tgtEl>
+                                          <p:spTgt spid="5"/>
+                                        </p:tgtEl>
+                                      </p:cBhvr>
+                                    </p:animEffect>
+                                  </p:childTnLst>
+                                </p:cTn>
+                              </p:par>
+                            </p:childTnLst>
+                          </p:cTn>
+                        </p:par>
+                      </p:childTnLst>
+                    </p:cTn>
+                  </p:par>
+                </p:childTnLst>
+              </p:cTn>
+              <p:prevCondLst>
+                <p:cond evt="onPrev" delay="0">
+                  <p:tgtEl>
+                    <p:sldTgt/>
+                  </p:tgtEl>
+                </p:cond>
+              </p:prevCondLst>
+              <p:nextCondLst>
+                <p:cond evt="onNext" delay="0">
+                  <p:tgtEl>
+                    <p:sldTgt/>
+                  </p:tgtEl>
+                </p:cond>
+              </p:nextCondLst>
+            </p:seq>
+          </p:childTnLst>
+        </p:cTn>
+      </p:par>
+    </p:tnLst>
+    <p:bldLst>
+      <p:bldP spid="7" grpId="0"/>
+      <p:bldP spid="7" grpId="1"/>
+    </p:bldLst>
+  </p:timing>
 </p:sld>
 </file>
 
 <file path=ppt/slides/slide2.xml><?xml version="1.0" encoding="utf-8"?>
 <p:sld xmlns:a="http://schemas.openxmlformats.org/drawingml/2006/main" xmlns:r="http://schemas.openxmlformats.org/officeDocument/2006/relationships" xmlns:p="http://schemas.openxmlformats.org/presentationml/2006/main">
   <p:cSld>
+    <p:bg>
+      <p:bgPr>
+        <a:solidFill>
+          <a:schemeClr val="bg1"/>
+        </a:solidFill>
+        <a:effectLst/>
+      </p:bgPr>
+    </p:bg>
     <p:spTree>
       <p:nvGrpSpPr>
         <p:cNvPr id="1" name=""/>
@@ -12866,6 +13610,697 @@
           <a:chExt cx="0" cy="0"/>
         </a:xfrm>
       </p:grpSpPr>
+      <p:sp>
+        <p:nvSpPr>
+          <p:cNvPr id="2" name="矩形 1"/>
+          <p:cNvSpPr/>
+          <p:nvPr/>
+        </p:nvSpPr>
+        <p:spPr>
+          <a:xfrm>
+            <a:off x="9942286" y="0"/>
+            <a:ext cx="2249715" cy="6858000"/>
+          </a:xfrm>
+          <a:prstGeom prst="rect">
+            <a:avLst/>
+          </a:prstGeom>
+          <a:solidFill>
+            <a:srgbClr val="3843B3"/>
+          </a:solidFill>
+          <a:ln>
+            <a:noFill/>
+          </a:ln>
+        </p:spPr>
+        <p:style>
+          <a:lnRef idx="2">
+            <a:schemeClr val="accent1">
+              <a:shade val="50000"/>
+            </a:schemeClr>
+          </a:lnRef>
+          <a:fillRef idx="1">
+            <a:schemeClr val="accent1"/>
+          </a:fillRef>
+          <a:effectRef idx="0">
+            <a:schemeClr val="accent1"/>
+          </a:effectRef>
+          <a:fontRef idx="minor">
+            <a:schemeClr val="lt1"/>
+          </a:fontRef>
+        </p:style>
+        <p:txBody>
+          <a:bodyPr rtlCol="0" anchor="ctr"/>
+          <a:lstStyle/>
+          <a:p>
+            <a:pPr algn="ctr"/>
+            <a:endParaRPr lang="zh-CN" altLang="en-US" dirty="0">
+              <a:latin typeface="微软雅黑" panose="020B0503020204020204" pitchFamily="34" charset="-122"/>
+              <a:ea typeface="微软雅黑" panose="020B0503020204020204" pitchFamily="34" charset="-122"/>
+            </a:endParaRPr>
+          </a:p>
+        </p:txBody>
+      </p:sp>
+      <p:sp>
+        <p:nvSpPr>
+          <p:cNvPr id="3" name="文本框 2"/>
+          <p:cNvSpPr txBox="1"/>
+          <p:nvPr/>
+        </p:nvSpPr>
+        <p:spPr>
+          <a:xfrm>
+            <a:off x="1424940" y="509905"/>
+            <a:ext cx="3538220" cy="460375"/>
+          </a:xfrm>
+          <a:prstGeom prst="rect">
+            <a:avLst/>
+          </a:prstGeom>
+          <a:noFill/>
+        </p:spPr>
+        <p:txBody>
+          <a:bodyPr wrap="square" rtlCol="0">
+            <a:spAutoFit/>
+          </a:bodyPr>
+          <a:lstStyle/>
+          <a:p>
+            <a:r>
+              <a:rPr lang="zh-CN" altLang="en-US" sz="2400" b="1" dirty="0">
+                <a:solidFill>
+                  <a:schemeClr val="bg2">
+                    <a:lumMod val="25000"/>
+                  </a:schemeClr>
+                </a:solidFill>
+                <a:latin typeface="微软雅黑" panose="020B0503020204020204" pitchFamily="34" charset="-122"/>
+                <a:ea typeface="微软雅黑" panose="020B0503020204020204" pitchFamily="34" charset="-122"/>
+              </a:rPr>
+              <a:t>项目</a:t>
+            </a:r>
+            <a:r>
+              <a:rPr lang="zh-CN" altLang="en-US" sz="2400" b="1" dirty="0">
+                <a:solidFill>
+                  <a:schemeClr val="bg2">
+                    <a:lumMod val="25000"/>
+                  </a:schemeClr>
+                </a:solidFill>
+                <a:latin typeface="微软雅黑" panose="020B0503020204020204" pitchFamily="34" charset="-122"/>
+                <a:ea typeface="微软雅黑" panose="020B0503020204020204" pitchFamily="34" charset="-122"/>
+              </a:rPr>
+              <a:t>总结</a:t>
+            </a:r>
+            <a:endParaRPr lang="zh-CN" altLang="en-US" sz="2400" b="1" dirty="0">
+              <a:solidFill>
+                <a:schemeClr val="bg2">
+                  <a:lumMod val="25000"/>
+                </a:schemeClr>
+              </a:solidFill>
+              <a:latin typeface="微软雅黑" panose="020B0503020204020204" pitchFamily="34" charset="-122"/>
+              <a:ea typeface="微软雅黑" panose="020B0503020204020204" pitchFamily="34" charset="-122"/>
+            </a:endParaRPr>
+          </a:p>
+        </p:txBody>
+      </p:sp>
+      <p:pic>
+        <p:nvPicPr>
+          <p:cNvPr id="4" name="图形 3"/>
+          <p:cNvPicPr>
+            <a:picLocks noChangeAspect="1"/>
+          </p:cNvPicPr>
+          <p:nvPr/>
+        </p:nvPicPr>
+        <p:blipFill>
+          <a:blip r:embed="rId1">
+            <a:extLst>
+              <a:ext uri="{28A0092B-C50C-407E-A947-70E740481C1C}">
+                <a14:useLocalDpi xmlns:a14="http://schemas.microsoft.com/office/drawing/2010/main" val="0"/>
+              </a:ext>
+            </a:extLst>
+          </a:blip>
+          <a:stretch>
+            <a:fillRect/>
+          </a:stretch>
+        </p:blipFill>
+        <p:spPr>
+          <a:xfrm>
+            <a:off x="10516998" y="420430"/>
+            <a:ext cx="1068278" cy="1102192"/>
+          </a:xfrm>
+          <a:prstGeom prst="rect">
+            <a:avLst/>
+          </a:prstGeom>
+        </p:spPr>
+      </p:pic>
+      <p:sp>
+        <p:nvSpPr>
+          <p:cNvPr id="6" name="椭圆 5"/>
+          <p:cNvSpPr/>
+          <p:nvPr/>
+        </p:nvSpPr>
+        <p:spPr>
+          <a:xfrm>
+            <a:off x="968457" y="577043"/>
+            <a:ext cx="327299" cy="327299"/>
+          </a:xfrm>
+          <a:prstGeom prst="ellipse">
+            <a:avLst/>
+          </a:prstGeom>
+          <a:solidFill>
+            <a:srgbClr val="3843B3"/>
+          </a:solidFill>
+          <a:ln w="53975">
+            <a:noFill/>
+          </a:ln>
+        </p:spPr>
+        <p:style>
+          <a:lnRef idx="2">
+            <a:schemeClr val="accent1">
+              <a:shade val="50000"/>
+            </a:schemeClr>
+          </a:lnRef>
+          <a:fillRef idx="1">
+            <a:schemeClr val="accent1"/>
+          </a:fillRef>
+          <a:effectRef idx="0">
+            <a:schemeClr val="accent1"/>
+          </a:effectRef>
+          <a:fontRef idx="minor">
+            <a:schemeClr val="lt1"/>
+          </a:fontRef>
+        </p:style>
+        <p:txBody>
+          <a:bodyPr rtlCol="0" anchor="ctr"/>
+          <a:lstStyle/>
+          <a:p>
+            <a:pPr algn="ctr"/>
+            <a:endParaRPr lang="zh-CN" altLang="en-US" sz="1400" b="1" dirty="0">
+              <a:latin typeface="微软雅黑" panose="020B0503020204020204" pitchFamily="34" charset="-122"/>
+              <a:ea typeface="微软雅黑" panose="020B0503020204020204" pitchFamily="34" charset="-122"/>
+            </a:endParaRPr>
+          </a:p>
+        </p:txBody>
+      </p:sp>
+      <p:sp>
+        <p:nvSpPr>
+          <p:cNvPr id="8" name="文本框 7"/>
+          <p:cNvSpPr txBox="1"/>
+          <p:nvPr/>
+        </p:nvSpPr>
+        <p:spPr>
+          <a:xfrm>
+            <a:off x="10152185" y="2001483"/>
+            <a:ext cx="1787029" cy="460375"/>
+          </a:xfrm>
+          <a:prstGeom prst="rect">
+            <a:avLst/>
+          </a:prstGeom>
+          <a:noFill/>
+        </p:spPr>
+        <p:txBody>
+          <a:bodyPr wrap="square" rtlCol="0">
+            <a:spAutoFit/>
+          </a:bodyPr>
+          <a:lstStyle/>
+          <a:p>
+            <a:r>
+              <a:rPr lang="zh-CN" altLang="en-US" sz="2400" dirty="0">
+                <a:solidFill>
+                  <a:schemeClr val="bg1">
+                    <a:lumMod val="65000"/>
+                  </a:schemeClr>
+                </a:solidFill>
+                <a:latin typeface="微软雅黑" panose="020B0503020204020204" pitchFamily="34" charset="-122"/>
+                <a:ea typeface="微软雅黑" panose="020B0503020204020204" pitchFamily="34" charset="-122"/>
+              </a:rPr>
+              <a:t>项目</a:t>
+            </a:r>
+            <a:r>
+              <a:rPr lang="zh-CN" altLang="en-US" sz="2400" dirty="0">
+                <a:solidFill>
+                  <a:schemeClr val="bg1">
+                    <a:lumMod val="65000"/>
+                  </a:schemeClr>
+                </a:solidFill>
+                <a:latin typeface="微软雅黑" panose="020B0503020204020204" pitchFamily="34" charset="-122"/>
+                <a:ea typeface="微软雅黑" panose="020B0503020204020204" pitchFamily="34" charset="-122"/>
+              </a:rPr>
+              <a:t>介绍</a:t>
+            </a:r>
+            <a:endParaRPr lang="zh-CN" altLang="en-US" sz="2400" dirty="0">
+              <a:solidFill>
+                <a:schemeClr val="bg1">
+                  <a:lumMod val="65000"/>
+                </a:schemeClr>
+              </a:solidFill>
+              <a:latin typeface="微软雅黑" panose="020B0503020204020204" pitchFamily="34" charset="-122"/>
+              <a:ea typeface="微软雅黑" panose="020B0503020204020204" pitchFamily="34" charset="-122"/>
+            </a:endParaRPr>
+          </a:p>
+        </p:txBody>
+      </p:sp>
+      <p:sp>
+        <p:nvSpPr>
+          <p:cNvPr id="9" name="文本框 8"/>
+          <p:cNvSpPr txBox="1"/>
+          <p:nvPr/>
+        </p:nvSpPr>
+        <p:spPr>
+          <a:xfrm>
+            <a:off x="10174410" y="3742494"/>
+            <a:ext cx="1787029" cy="460375"/>
+          </a:xfrm>
+          <a:prstGeom prst="rect">
+            <a:avLst/>
+          </a:prstGeom>
+          <a:noFill/>
+        </p:spPr>
+        <p:txBody>
+          <a:bodyPr wrap="square" rtlCol="0">
+            <a:spAutoFit/>
+          </a:bodyPr>
+          <a:lstStyle/>
+          <a:p>
+            <a:r>
+              <a:rPr lang="zh-CN" altLang="en-US" sz="2400" dirty="0">
+                <a:solidFill>
+                  <a:schemeClr val="bg1"/>
+                </a:solidFill>
+                <a:latin typeface="微软雅黑" panose="020B0503020204020204" pitchFamily="34" charset="-122"/>
+                <a:ea typeface="微软雅黑" panose="020B0503020204020204" pitchFamily="34" charset="-122"/>
+              </a:rPr>
+              <a:t>总结</a:t>
+            </a:r>
+            <a:endParaRPr lang="zh-CN" altLang="en-US" sz="2400" dirty="0">
+              <a:solidFill>
+                <a:schemeClr val="bg1"/>
+              </a:solidFill>
+              <a:latin typeface="微软雅黑" panose="020B0503020204020204" pitchFamily="34" charset="-122"/>
+              <a:ea typeface="微软雅黑" panose="020B0503020204020204" pitchFamily="34" charset="-122"/>
+            </a:endParaRPr>
+          </a:p>
+        </p:txBody>
+      </p:sp>
+      <p:sp>
+        <p:nvSpPr>
+          <p:cNvPr id="10" name="文本框 9"/>
+          <p:cNvSpPr txBox="1"/>
+          <p:nvPr/>
+        </p:nvSpPr>
+        <p:spPr>
+          <a:xfrm>
+            <a:off x="10174263" y="2582190"/>
+            <a:ext cx="1787029" cy="460375"/>
+          </a:xfrm>
+          <a:prstGeom prst="rect">
+            <a:avLst/>
+          </a:prstGeom>
+          <a:noFill/>
+        </p:spPr>
+        <p:txBody>
+          <a:bodyPr wrap="square" rtlCol="0">
+            <a:spAutoFit/>
+          </a:bodyPr>
+          <a:lstStyle/>
+          <a:p>
+            <a:r>
+              <a:rPr lang="zh-CN" altLang="en-US" sz="2400" dirty="0">
+                <a:solidFill>
+                  <a:schemeClr val="bg1">
+                    <a:lumMod val="65000"/>
+                  </a:schemeClr>
+                </a:solidFill>
+                <a:latin typeface="微软雅黑" panose="020B0503020204020204" pitchFamily="34" charset="-122"/>
+                <a:ea typeface="微软雅黑" panose="020B0503020204020204" pitchFamily="34" charset="-122"/>
+              </a:rPr>
+              <a:t>项目</a:t>
+            </a:r>
+            <a:r>
+              <a:rPr lang="zh-CN" altLang="en-US" sz="2400" dirty="0">
+                <a:solidFill>
+                  <a:schemeClr val="bg1">
+                    <a:lumMod val="65000"/>
+                  </a:schemeClr>
+                </a:solidFill>
+                <a:latin typeface="微软雅黑" panose="020B0503020204020204" pitchFamily="34" charset="-122"/>
+                <a:ea typeface="微软雅黑" panose="020B0503020204020204" pitchFamily="34" charset="-122"/>
+              </a:rPr>
+              <a:t>功能</a:t>
+            </a:r>
+            <a:endParaRPr lang="zh-CN" altLang="en-US" sz="2400" dirty="0">
+              <a:solidFill>
+                <a:schemeClr val="bg1">
+                  <a:lumMod val="65000"/>
+                </a:schemeClr>
+              </a:solidFill>
+              <a:latin typeface="微软雅黑" panose="020B0503020204020204" pitchFamily="34" charset="-122"/>
+              <a:ea typeface="微软雅黑" panose="020B0503020204020204" pitchFamily="34" charset="-122"/>
+            </a:endParaRPr>
+          </a:p>
+        </p:txBody>
+      </p:sp>
+      <p:sp>
+        <p:nvSpPr>
+          <p:cNvPr id="11" name="文本框 10"/>
+          <p:cNvSpPr txBox="1"/>
+          <p:nvPr/>
+        </p:nvSpPr>
+        <p:spPr>
+          <a:xfrm>
+            <a:off x="10237763" y="3162421"/>
+            <a:ext cx="1787029" cy="460375"/>
+          </a:xfrm>
+          <a:prstGeom prst="rect">
+            <a:avLst/>
+          </a:prstGeom>
+          <a:noFill/>
+        </p:spPr>
+        <p:txBody>
+          <a:bodyPr wrap="square" rtlCol="0">
+            <a:spAutoFit/>
+          </a:bodyPr>
+          <a:lstStyle/>
+          <a:p>
+            <a:r>
+              <a:rPr lang="zh-CN" altLang="en-US" sz="2400" dirty="0">
+                <a:solidFill>
+                  <a:schemeClr val="bg1">
+                    <a:lumMod val="65000"/>
+                  </a:schemeClr>
+                </a:solidFill>
+                <a:latin typeface="微软雅黑" panose="020B0503020204020204" pitchFamily="34" charset="-122"/>
+                <a:ea typeface="微软雅黑" panose="020B0503020204020204" pitchFamily="34" charset="-122"/>
+              </a:rPr>
+              <a:t>项目</a:t>
+            </a:r>
+            <a:r>
+              <a:rPr lang="zh-CN" altLang="en-US" sz="2400" dirty="0">
+                <a:solidFill>
+                  <a:schemeClr val="bg1">
+                    <a:lumMod val="65000"/>
+                  </a:schemeClr>
+                </a:solidFill>
+                <a:latin typeface="微软雅黑" panose="020B0503020204020204" pitchFamily="34" charset="-122"/>
+                <a:ea typeface="微软雅黑" panose="020B0503020204020204" pitchFamily="34" charset="-122"/>
+              </a:rPr>
+              <a:t>亮点</a:t>
+            </a:r>
+            <a:endParaRPr lang="zh-CN" altLang="en-US" sz="2400" dirty="0">
+              <a:solidFill>
+                <a:schemeClr val="bg1">
+                  <a:lumMod val="65000"/>
+                </a:schemeClr>
+              </a:solidFill>
+              <a:latin typeface="微软雅黑" panose="020B0503020204020204" pitchFamily="34" charset="-122"/>
+              <a:ea typeface="微软雅黑" panose="020B0503020204020204" pitchFamily="34" charset="-122"/>
+            </a:endParaRPr>
+          </a:p>
+        </p:txBody>
+      </p:sp>
+      <p:sp>
+        <p:nvSpPr>
+          <p:cNvPr id="7" name="文本框 6"/>
+          <p:cNvSpPr txBox="1"/>
+          <p:nvPr/>
+        </p:nvSpPr>
+        <p:spPr>
+          <a:xfrm>
+            <a:off x="1424940" y="3042285"/>
+            <a:ext cx="6200775" cy="750570"/>
+          </a:xfrm>
+          <a:prstGeom prst="rect">
+            <a:avLst/>
+          </a:prstGeom>
+          <a:noFill/>
+        </p:spPr>
+        <p:txBody>
+          <a:bodyPr wrap="square" rtlCol="0">
+            <a:noAutofit/>
+          </a:bodyPr>
+          <a:p>
+            <a:endParaRPr lang="zh-CN" altLang="en-US">
+              <a:latin typeface="微软雅黑" panose="020B0503020204020204" pitchFamily="34" charset="-122"/>
+              <a:ea typeface="微软雅黑" panose="020B0503020204020204" pitchFamily="34" charset="-122"/>
+              <a:cs typeface="微软雅黑" panose="020B0503020204020204" pitchFamily="34" charset="-122"/>
+              <a:sym typeface="+mn-ea"/>
+            </a:endParaRPr>
+          </a:p>
+        </p:txBody>
+      </p:sp>
+      <p:sp>
+        <p:nvSpPr>
+          <p:cNvPr id="12" name="文本框 11"/>
+          <p:cNvSpPr txBox="1"/>
+          <p:nvPr/>
+        </p:nvSpPr>
+        <p:spPr>
+          <a:xfrm>
+            <a:off x="1424940" y="1522730"/>
+            <a:ext cx="3831590" cy="390525"/>
+          </a:xfrm>
+          <a:prstGeom prst="rect">
+            <a:avLst/>
+          </a:prstGeom>
+          <a:noFill/>
+        </p:spPr>
+        <p:txBody>
+          <a:bodyPr wrap="square" rtlCol="0">
+            <a:noAutofit/>
+          </a:bodyPr>
+          <a:p>
+            <a:r>
+              <a:rPr lang="zh-CN" altLang="en-US" b="1">
+                <a:latin typeface="微软雅黑" panose="020B0503020204020204" pitchFamily="34" charset="-122"/>
+                <a:ea typeface="微软雅黑" panose="020B0503020204020204" pitchFamily="34" charset="-122"/>
+              </a:rPr>
+              <a:t>未实现功能：</a:t>
+            </a:r>
+            <a:r>
+              <a:rPr lang="zh-CN" altLang="en-US" b="1">
+                <a:latin typeface="微软雅黑" panose="020B0503020204020204" pitchFamily="34" charset="-122"/>
+                <a:ea typeface="微软雅黑" panose="020B0503020204020204" pitchFamily="34" charset="-122"/>
+              </a:rPr>
+              <a:t>聊天室</a:t>
+            </a:r>
+            <a:endParaRPr lang="zh-CN" altLang="en-US" b="1">
+              <a:latin typeface="微软雅黑" panose="020B0503020204020204" pitchFamily="34" charset="-122"/>
+              <a:ea typeface="微软雅黑" panose="020B0503020204020204" pitchFamily="34" charset="-122"/>
+            </a:endParaRPr>
+          </a:p>
+        </p:txBody>
+      </p:sp>
+      <p:pic>
+        <p:nvPicPr>
+          <p:cNvPr id="16" name="图片 15"/>
+          <p:cNvPicPr>
+            <a:picLocks noChangeAspect="1"/>
+          </p:cNvPicPr>
+          <p:nvPr/>
+        </p:nvPicPr>
+        <p:blipFill>
+          <a:blip r:embed="rId2"/>
+          <a:stretch>
+            <a:fillRect/>
+          </a:stretch>
+        </p:blipFill>
+        <p:spPr>
+          <a:xfrm>
+            <a:off x="2080895" y="4141470"/>
+            <a:ext cx="6324600" cy="1348740"/>
+          </a:xfrm>
+          <a:prstGeom prst="rect">
+            <a:avLst/>
+          </a:prstGeom>
+        </p:spPr>
+      </p:pic>
+      <p:pic>
+        <p:nvPicPr>
+          <p:cNvPr id="17" name="图片 16"/>
+          <p:cNvPicPr>
+            <a:picLocks noChangeAspect="1"/>
+          </p:cNvPicPr>
+          <p:nvPr/>
+        </p:nvPicPr>
+        <p:blipFill>
+          <a:blip r:embed="rId3"/>
+          <a:stretch>
+            <a:fillRect/>
+          </a:stretch>
+        </p:blipFill>
+        <p:spPr>
+          <a:xfrm>
+            <a:off x="2080895" y="2665730"/>
+            <a:ext cx="6233160" cy="784860"/>
+          </a:xfrm>
+          <a:prstGeom prst="rect">
+            <a:avLst/>
+          </a:prstGeom>
+        </p:spPr>
+      </p:pic>
+    </p:spTree>
+  </p:cSld>
+  <p:clrMapOvr>
+    <a:masterClrMapping/>
+  </p:clrMapOvr>
+  <p:timing>
+    <p:tnLst>
+      <p:par>
+        <p:cTn id="1" dur="indefinite" restart="never" nodeType="tmRoot">
+          <p:childTnLst>
+            <p:seq concurrent="1" nextAc="seek">
+              <p:cTn id="2" dur="indefinite" nodeType="mainSeq">
+                <p:childTnLst>
+                  <p:par>
+                    <p:cTn id="3" fill="hold">
+                      <p:stCondLst>
+                        <p:cond delay="indefinite"/>
+                      </p:stCondLst>
+                      <p:childTnLst>
+                        <p:par>
+                          <p:cTn id="4" fill="hold">
+                            <p:stCondLst>
+                              <p:cond delay="0"/>
+                            </p:stCondLst>
+                            <p:childTnLst>
+                              <p:par>
+                                <p:cTn id="5" presetID="3" presetClass="entr" presetSubtype="10" fill="hold" nodeType="clickEffect">
+                                  <p:stCondLst>
+                                    <p:cond delay="0"/>
+                                  </p:stCondLst>
+                                  <p:childTnLst>
+                                    <p:set>
+                                      <p:cBhvr>
+                                        <p:cTn id="6" dur="1" fill="hold">
+                                          <p:stCondLst>
+                                            <p:cond delay="0"/>
+                                          </p:stCondLst>
+                                        </p:cTn>
+                                        <p:tgtEl>
+                                          <p:spTgt spid="17"/>
+                                        </p:tgtEl>
+                                        <p:attrNameLst>
+                                          <p:attrName>style.visibility</p:attrName>
+                                        </p:attrNameLst>
+                                      </p:cBhvr>
+                                      <p:to>
+                                        <p:strVal val="visible"/>
+                                      </p:to>
+                                    </p:set>
+                                    <p:animEffect transition="in" filter="blinds(horizontal)">
+                                      <p:cBhvr>
+                                        <p:cTn id="7" dur="500"/>
+                                        <p:tgtEl>
+                                          <p:spTgt spid="17"/>
+                                        </p:tgtEl>
+                                      </p:cBhvr>
+                                    </p:animEffect>
+                                  </p:childTnLst>
+                                </p:cTn>
+                              </p:par>
+                            </p:childTnLst>
+                          </p:cTn>
+                        </p:par>
+                      </p:childTnLst>
+                    </p:cTn>
+                  </p:par>
+                  <p:par>
+                    <p:cTn id="8" fill="hold">
+                      <p:stCondLst>
+                        <p:cond delay="indefinite"/>
+                      </p:stCondLst>
+                      <p:childTnLst>
+                        <p:par>
+                          <p:cTn id="9" fill="hold">
+                            <p:stCondLst>
+                              <p:cond delay="0"/>
+                            </p:stCondLst>
+                            <p:childTnLst>
+                              <p:par>
+                                <p:cTn id="10" presetID="3" presetClass="entr" presetSubtype="10" fill="hold" nodeType="clickEffect">
+                                  <p:stCondLst>
+                                    <p:cond delay="0"/>
+                                  </p:stCondLst>
+                                  <p:childTnLst>
+                                    <p:set>
+                                      <p:cBhvr>
+                                        <p:cTn id="11" dur="1" fill="hold">
+                                          <p:stCondLst>
+                                            <p:cond delay="0"/>
+                                          </p:stCondLst>
+                                        </p:cTn>
+                                        <p:tgtEl>
+                                          <p:spTgt spid="16"/>
+                                        </p:tgtEl>
+                                        <p:attrNameLst>
+                                          <p:attrName>style.visibility</p:attrName>
+                                        </p:attrNameLst>
+                                      </p:cBhvr>
+                                      <p:to>
+                                        <p:strVal val="visible"/>
+                                      </p:to>
+                                    </p:set>
+                                    <p:animEffect transition="in" filter="blinds(horizontal)">
+                                      <p:cBhvr>
+                                        <p:cTn id="12" dur="500"/>
+                                        <p:tgtEl>
+                                          <p:spTgt spid="16"/>
+                                        </p:tgtEl>
+                                      </p:cBhvr>
+                                    </p:animEffect>
+                                  </p:childTnLst>
+                                </p:cTn>
+                              </p:par>
+                            </p:childTnLst>
+                          </p:cTn>
+                        </p:par>
+                      </p:childTnLst>
+                    </p:cTn>
+                  </p:par>
+                </p:childTnLst>
+              </p:cTn>
+              <p:prevCondLst>
+                <p:cond evt="onPrev" delay="0">
+                  <p:tgtEl>
+                    <p:sldTgt/>
+                  </p:tgtEl>
+                </p:cond>
+              </p:prevCondLst>
+              <p:nextCondLst>
+                <p:cond evt="onNext" delay="0">
+                  <p:tgtEl>
+                    <p:sldTgt/>
+                  </p:tgtEl>
+                </p:cond>
+              </p:nextCondLst>
+            </p:seq>
+          </p:childTnLst>
+        </p:cTn>
+      </p:par>
+    </p:tnLst>
+  </p:timing>
+</p:sld>
+</file>
+
+<file path=ppt/slides/slide21.xml><?xml version="1.0" encoding="utf-8"?>
+<p:sld xmlns:a="http://schemas.openxmlformats.org/drawingml/2006/main" xmlns:r="http://schemas.openxmlformats.org/officeDocument/2006/relationships" xmlns:p="http://schemas.openxmlformats.org/presentationml/2006/main">
+  <p:cSld>
+    <p:bg>
+      <p:bgPr>
+        <a:solidFill>
+          <a:schemeClr val="bg1"/>
+        </a:solidFill>
+        <a:effectLst/>
+      </p:bgPr>
+    </p:bg>
+    <p:spTree>
+      <p:nvGrpSpPr>
+        <p:cNvPr id="1" name=""/>
+        <p:cNvGrpSpPr/>
+        <p:nvPr/>
+      </p:nvGrpSpPr>
+      <p:grpSpPr>
+        <a:xfrm>
+          <a:off x="0" y="0"/>
+          <a:ext cx="0" cy="0"/>
+          <a:chOff x="0" y="0"/>
+          <a:chExt cx="0" cy="0"/>
+        </a:xfrm>
+      </p:grpSpPr>
       <p:pic>
         <p:nvPicPr>
           <p:cNvPr id="11" name="图形 10"/>
@@ -13109,6 +14544,14 @@
 <file path=ppt/slides/slide3.xml><?xml version="1.0" encoding="utf-8"?>
 <p:sld xmlns:a="http://schemas.openxmlformats.org/drawingml/2006/main" xmlns:r="http://schemas.openxmlformats.org/officeDocument/2006/relationships" xmlns:p="http://schemas.openxmlformats.org/presentationml/2006/main">
   <p:cSld>
+    <p:bg>
+      <p:bgPr>
+        <a:solidFill>
+          <a:schemeClr val="bg1"/>
+        </a:solidFill>
+        <a:effectLst/>
+      </p:bgPr>
+    </p:bg>
     <p:spTree>
       <p:nvGrpSpPr>
         <p:cNvPr id="1" name=""/>
@@ -13995,8 +15438,8 @@
         </p:nvSpPr>
         <p:spPr>
           <a:xfrm>
-            <a:off x="1296035" y="1604010"/>
-            <a:ext cx="5608320" cy="857885"/>
+            <a:off x="1127125" y="4801235"/>
+            <a:ext cx="8254365" cy="857885"/>
           </a:xfrm>
           <a:prstGeom prst="rect">
             <a:avLst/>
@@ -14006,35 +15449,119 @@
         <p:txBody>
           <a:bodyPr wrap="square" rtlCol="0">
             <a:noAutofit/>
+            <a:scene3d>
+              <a:camera prst="orthographicFront"/>
+              <a:lightRig rig="threePt" dir="t"/>
+            </a:scene3d>
           </a:bodyPr>
           <a:p>
             <a:r>
-              <a:rPr lang="en-US" altLang="zh-CN"/>
+              <a:rPr lang="en-US" altLang="zh-CN">
+                <a:ln/>
+                <a:solidFill>
+                  <a:schemeClr val="tx1"/>
+                </a:solidFill>
+                <a:effectLst>
+                  <a:outerShdw blurRad="38100" dist="19050" dir="2700000" algn="tl" rotWithShape="0">
+                    <a:schemeClr val="dk1">
+                      <a:alpha val="40000"/>
+                    </a:schemeClr>
+                  </a:outerShdw>
+                </a:effectLst>
+              </a:rPr>
               <a:t>QG</a:t>
             </a:r>
             <a:r>
-              <a:rPr lang="zh-CN" altLang="en-US"/>
+              <a:rPr lang="zh-CN" altLang="en-US">
+                <a:ln/>
+                <a:solidFill>
+                  <a:schemeClr val="tx1"/>
+                </a:solidFill>
+                <a:effectLst>
+                  <a:outerShdw blurRad="38100" dist="19050" dir="2700000" algn="tl" rotWithShape="0">
+                    <a:schemeClr val="dk1">
+                      <a:alpha val="40000"/>
+                    </a:schemeClr>
+                  </a:outerShdw>
+                </a:effectLst>
+              </a:rPr>
               <a:t>购物网是基于</a:t>
             </a:r>
             <a:r>
-              <a:rPr lang="en-US" altLang="zh-CN"/>
+              <a:rPr lang="en-US" altLang="zh-CN">
+                <a:ln/>
+                <a:solidFill>
+                  <a:schemeClr val="tx1"/>
+                </a:solidFill>
+                <a:effectLst>
+                  <a:outerShdw blurRad="38100" dist="19050" dir="2700000" algn="tl" rotWithShape="0">
+                    <a:schemeClr val="dk1">
+                      <a:alpha val="40000"/>
+                    </a:schemeClr>
+                  </a:outerShdw>
+                </a:effectLst>
+              </a:rPr>
               <a:t>Web</a:t>
             </a:r>
             <a:r>
-              <a:rPr lang="zh-CN" altLang="en-US"/>
-              <a:t>技术的在线购物平台，能为用户提供商品浏览、购买、收藏等基本</a:t>
-            </a:r>
-            <a:r>
-              <a:rPr lang="zh-CN" altLang="en-US"/>
-              <a:t>需求</a:t>
-            </a:r>
-            <a:endParaRPr lang="zh-CN" altLang="en-US"/>
-          </a:p>
-          <a:p>
-            <a:endParaRPr lang="zh-CN" altLang="en-US"/>
-          </a:p>
-          <a:p>
-            <a:endParaRPr lang="zh-CN" altLang="en-US"/>
+              <a:rPr lang="zh-CN" altLang="en-US">
+                <a:ln/>
+                <a:solidFill>
+                  <a:schemeClr val="tx1"/>
+                </a:solidFill>
+                <a:effectLst>
+                  <a:outerShdw blurRad="38100" dist="19050" dir="2700000" algn="tl" rotWithShape="0">
+                    <a:schemeClr val="dk1">
+                      <a:alpha val="40000"/>
+                    </a:schemeClr>
+                  </a:outerShdw>
+                </a:effectLst>
+              </a:rPr>
+              <a:t>技术的在线购物平台，能为用户提供商品浏览、购买、收藏等基本需求</a:t>
+            </a:r>
+            <a:endParaRPr lang="zh-CN" altLang="en-US">
+              <a:ln/>
+              <a:solidFill>
+                <a:schemeClr val="tx1"/>
+              </a:solidFill>
+              <a:effectLst>
+                <a:outerShdw blurRad="38100" dist="19050" dir="2700000" algn="tl" rotWithShape="0">
+                  <a:schemeClr val="dk1">
+                    <a:alpha val="40000"/>
+                  </a:schemeClr>
+                </a:outerShdw>
+              </a:effectLst>
+            </a:endParaRPr>
+          </a:p>
+          <a:p>
+            <a:endParaRPr lang="zh-CN" altLang="en-US">
+              <a:ln/>
+              <a:solidFill>
+                <a:schemeClr val="tx1"/>
+              </a:solidFill>
+              <a:effectLst>
+                <a:outerShdw blurRad="38100" dist="19050" dir="2700000" algn="tl" rotWithShape="0">
+                  <a:schemeClr val="dk1">
+                    <a:alpha val="40000"/>
+                  </a:schemeClr>
+                </a:outerShdw>
+              </a:effectLst>
+            </a:endParaRPr>
+          </a:p>
+          <a:p>
+            <a:endParaRPr lang="zh-CN" altLang="en-US">
+              <a:ln/>
+              <a:solidFill>
+                <a:schemeClr val="tx1"/>
+              </a:solidFill>
+              <a:effectLst>
+                <a:outerShdw blurRad="38100" dist="19050" dir="2700000" algn="tl" rotWithShape="0">
+                  <a:schemeClr val="dk1">
+                    <a:alpha val="40000"/>
+                  </a:schemeClr>
+                </a:outerShdw>
+              </a:effectLst>
+            </a:endParaRPr>
           </a:p>
         </p:txBody>
       </p:sp>
@@ -14072,22 +15599,18 @@
           <p:cNvPicPr>
             <a:picLocks noChangeAspect="1"/>
           </p:cNvPicPr>
-          <p:nvPr>
-            <p:custDataLst>
-              <p:tags r:id="rId3"/>
-            </p:custDataLst>
-          </p:nvPr>
+          <p:nvPr/>
         </p:nvPicPr>
         <p:blipFill>
-          <a:blip r:embed="rId4"/>
+          <a:blip r:embed="rId3"/>
           <a:stretch>
             <a:fillRect/>
           </a:stretch>
         </p:blipFill>
         <p:spPr>
           <a:xfrm>
-            <a:off x="968375" y="3095625"/>
-            <a:ext cx="8305800" cy="2647315"/>
+            <a:off x="1127125" y="1669415"/>
+            <a:ext cx="8255000" cy="2739390"/>
           </a:xfrm>
           <a:prstGeom prst="rect">
             <a:avLst/>
@@ -14099,6 +15622,230 @@
   <p:clrMapOvr>
     <a:masterClrMapping/>
   </p:clrMapOvr>
+  <p:timing>
+    <p:tnLst>
+      <p:par>
+        <p:cTn id="1" dur="indefinite" restart="never" nodeType="tmRoot">
+          <p:childTnLst>
+            <p:seq concurrent="1" nextAc="seek">
+              <p:cTn id="2" dur="indefinite" nodeType="mainSeq">
+                <p:childTnLst>
+                  <p:par>
+                    <p:cTn id="3" fill="hold">
+                      <p:stCondLst>
+                        <p:cond delay="indefinite"/>
+                      </p:stCondLst>
+                      <p:childTnLst>
+                        <p:par>
+                          <p:cTn id="4" fill="hold">
+                            <p:stCondLst>
+                              <p:cond delay="0"/>
+                            </p:stCondLst>
+                            <p:childTnLst>
+                              <p:par>
+                                <p:cTn id="5" presetID="2" presetClass="entr" presetSubtype="8" fill="hold" nodeType="clickEffect">
+                                  <p:stCondLst>
+                                    <p:cond delay="0"/>
+                                  </p:stCondLst>
+                                  <p:childTnLst>
+                                    <p:set>
+                                      <p:cBhvr>
+                                        <p:cTn id="6" dur="1" fill="hold">
+                                          <p:stCondLst>
+                                            <p:cond delay="0"/>
+                                          </p:stCondLst>
+                                        </p:cTn>
+                                        <p:tgtEl>
+                                          <p:spTgt spid="18"/>
+                                        </p:tgtEl>
+                                        <p:attrNameLst>
+                                          <p:attrName>style.visibility</p:attrName>
+                                        </p:attrNameLst>
+                                      </p:cBhvr>
+                                      <p:to>
+                                        <p:strVal val="visible"/>
+                                      </p:to>
+                                    </p:set>
+                                    <p:anim calcmode="lin" valueType="num">
+                                      <p:cBhvr additive="base">
+                                        <p:cTn id="7" dur="500" fill="hold"/>
+                                        <p:tgtEl>
+                                          <p:spTgt spid="18"/>
+                                        </p:tgtEl>
+                                        <p:attrNameLst>
+                                          <p:attrName>ppt_x</p:attrName>
+                                        </p:attrNameLst>
+                                      </p:cBhvr>
+                                      <p:tavLst>
+                                        <p:tav tm="0">
+                                          <p:val>
+                                            <p:strVal val="0-#ppt_w/2"/>
+                                          </p:val>
+                                        </p:tav>
+                                        <p:tav tm="100000">
+                                          <p:val>
+                                            <p:strVal val="#ppt_x"/>
+                                          </p:val>
+                                        </p:tav>
+                                      </p:tavLst>
+                                    </p:anim>
+                                    <p:anim calcmode="lin" valueType="num">
+                                      <p:cBhvr additive="base">
+                                        <p:cTn id="8" dur="500" fill="hold"/>
+                                        <p:tgtEl>
+                                          <p:spTgt spid="18"/>
+                                        </p:tgtEl>
+                                        <p:attrNameLst>
+                                          <p:attrName>ppt_y</p:attrName>
+                                        </p:attrNameLst>
+                                      </p:cBhvr>
+                                      <p:tavLst>
+                                        <p:tav tm="0">
+                                          <p:val>
+                                            <p:strVal val="#ppt_y"/>
+                                          </p:val>
+                                        </p:tav>
+                                        <p:tav tm="100000">
+                                          <p:val>
+                                            <p:strVal val="#ppt_y"/>
+                                          </p:val>
+                                        </p:tav>
+                                      </p:tavLst>
+                                    </p:anim>
+                                  </p:childTnLst>
+                                </p:cTn>
+                              </p:par>
+                            </p:childTnLst>
+                          </p:cTn>
+                        </p:par>
+                      </p:childTnLst>
+                    </p:cTn>
+                  </p:par>
+                  <p:par>
+                    <p:cTn id="9" fill="hold">
+                      <p:stCondLst>
+                        <p:cond delay="indefinite"/>
+                      </p:stCondLst>
+                      <p:childTnLst>
+                        <p:par>
+                          <p:cTn id="10" fill="hold">
+                            <p:stCondLst>
+                              <p:cond delay="0"/>
+                            </p:stCondLst>
+                            <p:childTnLst>
+                              <p:par>
+                                <p:cTn id="11" presetID="2" presetClass="entr" presetSubtype="8" fill="hold" nodeType="clickEffect">
+                                  <p:stCondLst>
+                                    <p:cond delay="0"/>
+                                  </p:stCondLst>
+                                  <p:childTnLst>
+                                    <p:set>
+                                      <p:cBhvr>
+                                        <p:cTn id="12" dur="1" fill="hold">
+                                          <p:stCondLst>
+                                            <p:cond delay="0"/>
+                                          </p:stCondLst>
+                                        </p:cTn>
+                                        <p:tgtEl>
+                                          <p:spTgt spid="5">
+                                            <p:txEl>
+                                              <p:pRg st="0" end="0"/>
+                                            </p:txEl>
+                                          </p:spTgt>
+                                        </p:tgtEl>
+                                        <p:attrNameLst>
+                                          <p:attrName>style.visibility</p:attrName>
+                                        </p:attrNameLst>
+                                      </p:cBhvr>
+                                      <p:to>
+                                        <p:strVal val="visible"/>
+                                      </p:to>
+                                    </p:set>
+                                    <p:anim calcmode="lin" valueType="num">
+                                      <p:cBhvr additive="base">
+                                        <p:cTn id="13" dur="500" fill="hold"/>
+                                        <p:tgtEl>
+                                          <p:spTgt spid="5">
+                                            <p:txEl>
+                                              <p:pRg st="0" end="0"/>
+                                            </p:txEl>
+                                          </p:spTgt>
+                                        </p:tgtEl>
+                                        <p:attrNameLst>
+                                          <p:attrName>ppt_x</p:attrName>
+                                        </p:attrNameLst>
+                                      </p:cBhvr>
+                                      <p:tavLst>
+                                        <p:tav tm="0">
+                                          <p:val>
+                                            <p:strVal val="0-#ppt_w/2"/>
+                                          </p:val>
+                                        </p:tav>
+                                        <p:tav tm="100000">
+                                          <p:val>
+                                            <p:strVal val="#ppt_x"/>
+                                          </p:val>
+                                        </p:tav>
+                                      </p:tavLst>
+                                    </p:anim>
+                                    <p:anim calcmode="lin" valueType="num">
+                                      <p:cBhvr additive="base">
+                                        <p:cTn id="14" dur="500" fill="hold"/>
+                                        <p:tgtEl>
+                                          <p:spTgt spid="5">
+                                            <p:txEl>
+                                              <p:pRg st="0" end="0"/>
+                                            </p:txEl>
+                                          </p:spTgt>
+                                        </p:tgtEl>
+                                        <p:attrNameLst>
+                                          <p:attrName>ppt_y</p:attrName>
+                                        </p:attrNameLst>
+                                      </p:cBhvr>
+                                      <p:tavLst>
+                                        <p:tav tm="0">
+                                          <p:val>
+                                            <p:strVal val="#ppt_y"/>
+                                          </p:val>
+                                        </p:tav>
+                                        <p:tav tm="100000">
+                                          <p:val>
+                                            <p:strVal val="#ppt_y"/>
+                                          </p:val>
+                                        </p:tav>
+                                      </p:tavLst>
+                                    </p:anim>
+                                  </p:childTnLst>
+                                </p:cTn>
+                              </p:par>
+                            </p:childTnLst>
+                          </p:cTn>
+                        </p:par>
+                      </p:childTnLst>
+                    </p:cTn>
+                  </p:par>
+                </p:childTnLst>
+              </p:cTn>
+              <p:prevCondLst>
+                <p:cond evt="onPrev" delay="0">
+                  <p:tgtEl>
+                    <p:sldTgt/>
+                  </p:tgtEl>
+                </p:cond>
+              </p:prevCondLst>
+              <p:nextCondLst>
+                <p:cond evt="onNext" delay="0">
+                  <p:tgtEl>
+                    <p:sldTgt/>
+                  </p:tgtEl>
+                </p:cond>
+              </p:nextCondLst>
+            </p:seq>
+          </p:childTnLst>
+        </p:cTn>
+      </p:par>
+    </p:tnLst>
+  </p:timing>
 </p:sld>
 </file>
 
@@ -14558,8 +16305,8 @@
         </p:nvSpPr>
         <p:spPr>
           <a:xfrm>
-            <a:off x="862965" y="1243965"/>
-            <a:ext cx="5653405" cy="1198880"/>
+            <a:off x="1108075" y="4672330"/>
+            <a:ext cx="7734935" cy="645160"/>
           </a:xfrm>
           <a:prstGeom prst="rect">
             <a:avLst/>
@@ -14583,12 +16330,6 @@
               </a:rPr>
               <a:t>商家可以发布商品上架请求，经管理员审批后可以商家售卖</a:t>
             </a:r>
-            <a:endParaRPr lang="zh-CN" altLang="en-US"/>
-          </a:p>
-          <a:p>
-            <a:endParaRPr lang="zh-CN" altLang="en-US"/>
-          </a:p>
-          <a:p>
             <a:endParaRPr lang="zh-CN" altLang="en-US"/>
           </a:p>
         </p:txBody>
@@ -14599,22 +16340,18 @@
           <p:cNvPicPr>
             <a:picLocks noChangeAspect="1"/>
           </p:cNvPicPr>
-          <p:nvPr>
-            <p:custDataLst>
-              <p:tags r:id="rId3"/>
-            </p:custDataLst>
-          </p:nvPr>
+          <p:nvPr/>
         </p:nvPicPr>
         <p:blipFill>
-          <a:blip r:embed="rId4"/>
+          <a:blip r:embed="rId3"/>
           <a:stretch>
             <a:fillRect/>
           </a:stretch>
         </p:blipFill>
         <p:spPr>
           <a:xfrm>
-            <a:off x="1108710" y="3275330"/>
-            <a:ext cx="7734300" cy="1397000"/>
+            <a:off x="745490" y="1911350"/>
+            <a:ext cx="8883650" cy="1604645"/>
           </a:xfrm>
           <a:prstGeom prst="rect">
             <a:avLst/>
@@ -14626,6 +16363,222 @@
   <p:clrMapOvr>
     <a:masterClrMapping/>
   </p:clrMapOvr>
+  <p:timing>
+    <p:tnLst>
+      <p:par>
+        <p:cTn id="1" dur="indefinite" restart="never" nodeType="tmRoot">
+          <p:childTnLst>
+            <p:seq concurrent="1" nextAc="seek">
+              <p:cTn id="2" dur="indefinite" nodeType="mainSeq">
+                <p:childTnLst>
+                  <p:par>
+                    <p:cTn id="3" fill="hold">
+                      <p:stCondLst>
+                        <p:cond delay="indefinite"/>
+                      </p:stCondLst>
+                      <p:childTnLst>
+                        <p:par>
+                          <p:cTn id="4" fill="hold">
+                            <p:stCondLst>
+                              <p:cond delay="0"/>
+                            </p:stCondLst>
+                            <p:childTnLst>
+                              <p:par>
+                                <p:cTn id="5" presetID="2" presetClass="entr" presetSubtype="8" fill="hold" nodeType="clickEffect">
+                                  <p:stCondLst>
+                                    <p:cond delay="0"/>
+                                  </p:stCondLst>
+                                  <p:childTnLst>
+                                    <p:set>
+                                      <p:cBhvr>
+                                        <p:cTn id="6" dur="1" fill="hold">
+                                          <p:stCondLst>
+                                            <p:cond delay="0"/>
+                                          </p:stCondLst>
+                                        </p:cTn>
+                                        <p:tgtEl>
+                                          <p:spTgt spid="7"/>
+                                        </p:tgtEl>
+                                        <p:attrNameLst>
+                                          <p:attrName>style.visibility</p:attrName>
+                                        </p:attrNameLst>
+                                      </p:cBhvr>
+                                      <p:to>
+                                        <p:strVal val="visible"/>
+                                      </p:to>
+                                    </p:set>
+                                    <p:anim calcmode="lin" valueType="num">
+                                      <p:cBhvr additive="base">
+                                        <p:cTn id="7" dur="500" fill="hold"/>
+                                        <p:tgtEl>
+                                          <p:spTgt spid="7"/>
+                                        </p:tgtEl>
+                                        <p:attrNameLst>
+                                          <p:attrName>ppt_x</p:attrName>
+                                        </p:attrNameLst>
+                                      </p:cBhvr>
+                                      <p:tavLst>
+                                        <p:tav tm="0">
+                                          <p:val>
+                                            <p:strVal val="0-#ppt_w/2"/>
+                                          </p:val>
+                                        </p:tav>
+                                        <p:tav tm="100000">
+                                          <p:val>
+                                            <p:strVal val="#ppt_x"/>
+                                          </p:val>
+                                        </p:tav>
+                                      </p:tavLst>
+                                    </p:anim>
+                                    <p:anim calcmode="lin" valueType="num">
+                                      <p:cBhvr additive="base">
+                                        <p:cTn id="8" dur="500" fill="hold"/>
+                                        <p:tgtEl>
+                                          <p:spTgt spid="7"/>
+                                        </p:tgtEl>
+                                        <p:attrNameLst>
+                                          <p:attrName>ppt_y</p:attrName>
+                                        </p:attrNameLst>
+                                      </p:cBhvr>
+                                      <p:tavLst>
+                                        <p:tav tm="0">
+                                          <p:val>
+                                            <p:strVal val="#ppt_y"/>
+                                          </p:val>
+                                        </p:tav>
+                                        <p:tav tm="100000">
+                                          <p:val>
+                                            <p:strVal val="#ppt_y"/>
+                                          </p:val>
+                                        </p:tav>
+                                      </p:tavLst>
+                                    </p:anim>
+                                  </p:childTnLst>
+                                </p:cTn>
+                              </p:par>
+                            </p:childTnLst>
+                          </p:cTn>
+                        </p:par>
+                      </p:childTnLst>
+                    </p:cTn>
+                  </p:par>
+                  <p:par>
+                    <p:cTn id="9" fill="hold">
+                      <p:stCondLst>
+                        <p:cond delay="indefinite"/>
+                      </p:stCondLst>
+                      <p:childTnLst>
+                        <p:par>
+                          <p:cTn id="10" fill="hold">
+                            <p:stCondLst>
+                              <p:cond delay="0"/>
+                            </p:stCondLst>
+                            <p:childTnLst>
+                              <p:par>
+                                <p:cTn id="11" presetID="2" presetClass="entr" presetSubtype="8" fill="hold" grpId="0" nodeType="clickEffect">
+                                  <p:stCondLst>
+                                    <p:cond delay="0"/>
+                                  </p:stCondLst>
+                                  <p:childTnLst>
+                                    <p:set>
+                                      <p:cBhvr>
+                                        <p:cTn id="12" dur="1" fill="hold">
+                                          <p:stCondLst>
+                                            <p:cond delay="0"/>
+                                          </p:stCondLst>
+                                        </p:cTn>
+                                        <p:tgtEl>
+                                          <p:spTgt spid="14"/>
+                                        </p:tgtEl>
+                                        <p:attrNameLst>
+                                          <p:attrName>style.visibility</p:attrName>
+                                        </p:attrNameLst>
+                                      </p:cBhvr>
+                                      <p:to>
+                                        <p:strVal val="visible"/>
+                                      </p:to>
+                                    </p:set>
+                                    <p:anim calcmode="lin" valueType="num">
+                                      <p:cBhvr additive="base">
+                                        <p:cTn id="13" dur="500" fill="hold"/>
+                                        <p:tgtEl>
+                                          <p:spTgt spid="14"/>
+                                        </p:tgtEl>
+                                        <p:attrNameLst>
+                                          <p:attrName>ppt_x</p:attrName>
+                                        </p:attrNameLst>
+                                      </p:cBhvr>
+                                      <p:tavLst>
+                                        <p:tav tm="0">
+                                          <p:val>
+                                            <p:strVal val="0-#ppt_w/2"/>
+                                          </p:val>
+                                        </p:tav>
+                                        <p:tav tm="100000">
+                                          <p:val>
+                                            <p:strVal val="#ppt_x"/>
+                                          </p:val>
+                                        </p:tav>
+                                      </p:tavLst>
+                                    </p:anim>
+                                    <p:anim calcmode="lin" valueType="num">
+                                      <p:cBhvr additive="base">
+                                        <p:cTn id="14" dur="500" fill="hold"/>
+                                        <p:tgtEl>
+                                          <p:spTgt spid="14"/>
+                                        </p:tgtEl>
+                                        <p:attrNameLst>
+                                          <p:attrName>ppt_y</p:attrName>
+                                        </p:attrNameLst>
+                                      </p:cBhvr>
+                                      <p:tavLst>
+                                        <p:tav tm="0">
+                                          <p:val>
+                                            <p:strVal val="#ppt_y"/>
+                                          </p:val>
+                                        </p:tav>
+                                        <p:tav tm="100000">
+                                          <p:val>
+                                            <p:strVal val="#ppt_y"/>
+                                          </p:val>
+                                        </p:tav>
+                                      </p:tavLst>
+                                    </p:anim>
+                                  </p:childTnLst>
+                                </p:cTn>
+                              </p:par>
+                            </p:childTnLst>
+                          </p:cTn>
+                        </p:par>
+                      </p:childTnLst>
+                    </p:cTn>
+                  </p:par>
+                </p:childTnLst>
+              </p:cTn>
+              <p:prevCondLst>
+                <p:cond evt="onPrev" delay="0">
+                  <p:tgtEl>
+                    <p:sldTgt/>
+                  </p:tgtEl>
+                </p:cond>
+              </p:prevCondLst>
+              <p:nextCondLst>
+                <p:cond evt="onNext" delay="0">
+                  <p:tgtEl>
+                    <p:sldTgt/>
+                  </p:tgtEl>
+                </p:cond>
+              </p:nextCondLst>
+            </p:seq>
+          </p:childTnLst>
+        </p:cTn>
+      </p:par>
+    </p:tnLst>
+    <p:bldLst>
+      <p:bldP spid="14" grpId="0"/>
+      <p:bldP spid="14" grpId="1"/>
+    </p:bldLst>
+  </p:timing>
 </p:sld>
 </file>
 
@@ -15113,7 +17066,7 @@
         </p:nvSpPr>
         <p:spPr>
           <a:xfrm>
-            <a:off x="968375" y="1412875"/>
+            <a:off x="918845" y="3881120"/>
             <a:ext cx="5266055" cy="645160"/>
           </a:xfrm>
           <a:prstGeom prst="rect">
@@ -15144,21 +17097,17 @@
           <p:cNvPicPr>
             <a:picLocks noChangeAspect="1"/>
           </p:cNvPicPr>
-          <p:nvPr>
-            <p:custDataLst>
-              <p:tags r:id="rId3"/>
-            </p:custDataLst>
-          </p:nvPr>
+          <p:nvPr/>
         </p:nvPicPr>
         <p:blipFill>
-          <a:blip r:embed="rId4"/>
+          <a:blip r:embed="rId3"/>
           <a:stretch>
             <a:fillRect/>
           </a:stretch>
         </p:blipFill>
         <p:spPr>
           <a:xfrm>
-            <a:off x="1296035" y="2853690"/>
+            <a:off x="918845" y="1522730"/>
             <a:ext cx="6897370" cy="1434465"/>
           </a:xfrm>
           <a:prstGeom prst="rect">
@@ -15171,12 +17120,236 @@
   <p:clrMapOvr>
     <a:masterClrMapping/>
   </p:clrMapOvr>
+  <p:timing>
+    <p:tnLst>
+      <p:par>
+        <p:cTn id="1" dur="indefinite" restart="never" nodeType="tmRoot">
+          <p:childTnLst>
+            <p:seq concurrent="1" nextAc="seek">
+              <p:cTn id="2" dur="indefinite" nodeType="mainSeq">
+                <p:childTnLst>
+                  <p:par>
+                    <p:cTn id="3" fill="hold">
+                      <p:stCondLst>
+                        <p:cond delay="indefinite"/>
+                      </p:stCondLst>
+                      <p:childTnLst>
+                        <p:par>
+                          <p:cTn id="4" fill="hold">
+                            <p:stCondLst>
+                              <p:cond delay="0"/>
+                            </p:stCondLst>
+                            <p:childTnLst>
+                              <p:par>
+                                <p:cTn id="5" presetID="2" presetClass="entr" presetSubtype="8" fill="hold" nodeType="clickEffect">
+                                  <p:stCondLst>
+                                    <p:cond delay="0"/>
+                                  </p:stCondLst>
+                                  <p:childTnLst>
+                                    <p:set>
+                                      <p:cBhvr>
+                                        <p:cTn id="6" dur="1" fill="hold">
+                                          <p:stCondLst>
+                                            <p:cond delay="0"/>
+                                          </p:stCondLst>
+                                        </p:cTn>
+                                        <p:tgtEl>
+                                          <p:spTgt spid="7"/>
+                                        </p:tgtEl>
+                                        <p:attrNameLst>
+                                          <p:attrName>style.visibility</p:attrName>
+                                        </p:attrNameLst>
+                                      </p:cBhvr>
+                                      <p:to>
+                                        <p:strVal val="visible"/>
+                                      </p:to>
+                                    </p:set>
+                                    <p:anim calcmode="lin" valueType="num">
+                                      <p:cBhvr additive="base">
+                                        <p:cTn id="7" dur="500" fill="hold"/>
+                                        <p:tgtEl>
+                                          <p:spTgt spid="7"/>
+                                        </p:tgtEl>
+                                        <p:attrNameLst>
+                                          <p:attrName>ppt_x</p:attrName>
+                                        </p:attrNameLst>
+                                      </p:cBhvr>
+                                      <p:tavLst>
+                                        <p:tav tm="0">
+                                          <p:val>
+                                            <p:strVal val="0-#ppt_w/2"/>
+                                          </p:val>
+                                        </p:tav>
+                                        <p:tav tm="100000">
+                                          <p:val>
+                                            <p:strVal val="#ppt_x"/>
+                                          </p:val>
+                                        </p:tav>
+                                      </p:tavLst>
+                                    </p:anim>
+                                    <p:anim calcmode="lin" valueType="num">
+                                      <p:cBhvr additive="base">
+                                        <p:cTn id="8" dur="500" fill="hold"/>
+                                        <p:tgtEl>
+                                          <p:spTgt spid="7"/>
+                                        </p:tgtEl>
+                                        <p:attrNameLst>
+                                          <p:attrName>ppt_y</p:attrName>
+                                        </p:attrNameLst>
+                                      </p:cBhvr>
+                                      <p:tavLst>
+                                        <p:tav tm="0">
+                                          <p:val>
+                                            <p:strVal val="#ppt_y"/>
+                                          </p:val>
+                                        </p:tav>
+                                        <p:tav tm="100000">
+                                          <p:val>
+                                            <p:strVal val="#ppt_y"/>
+                                          </p:val>
+                                        </p:tav>
+                                      </p:tavLst>
+                                    </p:anim>
+                                  </p:childTnLst>
+                                </p:cTn>
+                              </p:par>
+                            </p:childTnLst>
+                          </p:cTn>
+                        </p:par>
+                      </p:childTnLst>
+                    </p:cTn>
+                  </p:par>
+                  <p:par>
+                    <p:cTn id="9" fill="hold">
+                      <p:stCondLst>
+                        <p:cond delay="indefinite"/>
+                      </p:stCondLst>
+                      <p:childTnLst>
+                        <p:par>
+                          <p:cTn id="10" fill="hold">
+                            <p:stCondLst>
+                              <p:cond delay="0"/>
+                            </p:stCondLst>
+                            <p:childTnLst>
+                              <p:par>
+                                <p:cTn id="11" presetID="2" presetClass="entr" presetSubtype="8" fill="hold" grpId="0" nodeType="clickEffect">
+                                  <p:stCondLst>
+                                    <p:cond delay="0"/>
+                                  </p:stCondLst>
+                                  <p:childTnLst>
+                                    <p:set>
+                                      <p:cBhvr>
+                                        <p:cTn id="12" dur="1" fill="hold">
+                                          <p:stCondLst>
+                                            <p:cond delay="0"/>
+                                          </p:stCondLst>
+                                        </p:cTn>
+                                        <p:tgtEl>
+                                          <p:spTgt spid="16"/>
+                                        </p:tgtEl>
+                                        <p:attrNameLst>
+                                          <p:attrName>style.visibility</p:attrName>
+                                        </p:attrNameLst>
+                                      </p:cBhvr>
+                                      <p:to>
+                                        <p:strVal val="visible"/>
+                                      </p:to>
+                                    </p:set>
+                                    <p:anim calcmode="lin" valueType="num">
+                                      <p:cBhvr additive="base">
+                                        <p:cTn id="13" dur="500" fill="hold"/>
+                                        <p:tgtEl>
+                                          <p:spTgt spid="16"/>
+                                        </p:tgtEl>
+                                        <p:attrNameLst>
+                                          <p:attrName>ppt_x</p:attrName>
+                                        </p:attrNameLst>
+                                      </p:cBhvr>
+                                      <p:tavLst>
+                                        <p:tav tm="0">
+                                          <p:val>
+                                            <p:strVal val="0-#ppt_w/2"/>
+                                          </p:val>
+                                        </p:tav>
+                                        <p:tav tm="100000">
+                                          <p:val>
+                                            <p:strVal val="#ppt_x"/>
+                                          </p:val>
+                                        </p:tav>
+                                      </p:tavLst>
+                                    </p:anim>
+                                    <p:anim calcmode="lin" valueType="num">
+                                      <p:cBhvr additive="base">
+                                        <p:cTn id="14" dur="500" fill="hold"/>
+                                        <p:tgtEl>
+                                          <p:spTgt spid="16"/>
+                                        </p:tgtEl>
+                                        <p:attrNameLst>
+                                          <p:attrName>ppt_y</p:attrName>
+                                        </p:attrNameLst>
+                                      </p:cBhvr>
+                                      <p:tavLst>
+                                        <p:tav tm="0">
+                                          <p:val>
+                                            <p:strVal val="#ppt_y"/>
+                                          </p:val>
+                                        </p:tav>
+                                        <p:tav tm="100000">
+                                          <p:val>
+                                            <p:strVal val="#ppt_y"/>
+                                          </p:val>
+                                        </p:tav>
+                                      </p:tavLst>
+                                    </p:anim>
+                                  </p:childTnLst>
+                                </p:cTn>
+                              </p:par>
+                            </p:childTnLst>
+                          </p:cTn>
+                        </p:par>
+                      </p:childTnLst>
+                    </p:cTn>
+                  </p:par>
+                </p:childTnLst>
+              </p:cTn>
+              <p:prevCondLst>
+                <p:cond evt="onPrev" delay="0">
+                  <p:tgtEl>
+                    <p:sldTgt/>
+                  </p:tgtEl>
+                </p:cond>
+              </p:prevCondLst>
+              <p:nextCondLst>
+                <p:cond evt="onNext" delay="0">
+                  <p:tgtEl>
+                    <p:sldTgt/>
+                  </p:tgtEl>
+                </p:cond>
+              </p:nextCondLst>
+            </p:seq>
+          </p:childTnLst>
+        </p:cTn>
+      </p:par>
+    </p:tnLst>
+    <p:bldLst>
+      <p:bldP spid="16" grpId="0"/>
+      <p:bldP spid="16" grpId="1"/>
+    </p:bldLst>
+  </p:timing>
 </p:sld>
 </file>
 
 <file path=ppt/slides/slide7.xml><?xml version="1.0" encoding="utf-8"?>
 <p:sld xmlns:a="http://schemas.openxmlformats.org/drawingml/2006/main" xmlns:r="http://schemas.openxmlformats.org/officeDocument/2006/relationships" xmlns:p="http://schemas.openxmlformats.org/presentationml/2006/main">
   <p:cSld>
+    <p:bg>
+      <p:bgPr>
+        <a:solidFill>
+          <a:schemeClr val="bg1"/>
+        </a:solidFill>
+        <a:effectLst/>
+      </p:bgPr>
+    </p:bg>
     <p:spTree>
       <p:nvGrpSpPr>
         <p:cNvPr id="1" name=""/>
@@ -16084,6 +18257,89 @@
   <p:clrMapOvr>
     <a:masterClrMapping/>
   </p:clrMapOvr>
+  <p:timing>
+    <p:tnLst>
+      <p:par>
+        <p:cTn id="1" dur="indefinite" restart="never" nodeType="tmRoot">
+          <p:childTnLst>
+            <p:seq concurrent="1" nextAc="seek">
+              <p:cTn id="2" dur="indefinite" nodeType="mainSeq">
+                <p:childTnLst>
+                  <p:par>
+                    <p:cTn id="3" fill="hold">
+                      <p:stCondLst>
+                        <p:cond delay="indefinite"/>
+                      </p:stCondLst>
+                      <p:childTnLst>
+                        <p:par>
+                          <p:cTn id="4" fill="hold">
+                            <p:stCondLst>
+                              <p:cond delay="0"/>
+                            </p:stCondLst>
+                            <p:childTnLst>
+                              <p:par>
+                                <p:cTn id="5" presetID="3" presetClass="entr" presetSubtype="10" fill="hold" nodeType="clickEffect">
+                                  <p:stCondLst>
+                                    <p:cond delay="0"/>
+                                  </p:stCondLst>
+                                  <p:childTnLst>
+                                    <p:set>
+                                      <p:cBhvr>
+                                        <p:cTn id="6" dur="1" fill="hold">
+                                          <p:stCondLst>
+                                            <p:cond delay="0"/>
+                                          </p:stCondLst>
+                                        </p:cTn>
+                                        <p:tgtEl>
+                                          <p:spTgt spid="13"/>
+                                        </p:tgtEl>
+                                        <p:attrNameLst>
+                                          <p:attrName>style.visibility</p:attrName>
+                                        </p:attrNameLst>
+                                      </p:cBhvr>
+                                      <p:to>
+                                        <p:strVal val="visible"/>
+                                      </p:to>
+                                    </p:set>
+                                    <p:animEffect transition="in" filter="blinds(horizontal)">
+                                      <p:cBhvr>
+                                        <p:cTn id="7" dur="500"/>
+                                        <p:tgtEl>
+                                          <p:spTgt spid="13"/>
+                                        </p:tgtEl>
+                                      </p:cBhvr>
+                                    </p:animEffect>
+                                  </p:childTnLst>
+                                </p:cTn>
+                              </p:par>
+                            </p:childTnLst>
+                          </p:cTn>
+                        </p:par>
+                      </p:childTnLst>
+                    </p:cTn>
+                  </p:par>
+                </p:childTnLst>
+              </p:cTn>
+              <p:prevCondLst>
+                <p:cond evt="onPrev" delay="0">
+                  <p:tgtEl>
+                    <p:sldTgt/>
+                  </p:tgtEl>
+                </p:cond>
+              </p:prevCondLst>
+              <p:nextCondLst>
+                <p:cond evt="onNext" delay="0">
+                  <p:tgtEl>
+                    <p:sldTgt/>
+                  </p:tgtEl>
+                </p:cond>
+              </p:nextCondLst>
+            </p:seq>
+          </p:childTnLst>
+        </p:cTn>
+      </p:par>
+    </p:tnLst>
+  </p:timing>
 </p:sld>
 </file>
 
@@ -16536,28 +18792,93 @@
   <p:clrMapOvr>
     <a:masterClrMapping/>
   </p:clrMapOvr>
+  <p:timing>
+    <p:tnLst>
+      <p:par>
+        <p:cTn id="1" dur="indefinite" restart="never" nodeType="tmRoot">
+          <p:childTnLst>
+            <p:seq concurrent="1" nextAc="seek">
+              <p:cTn id="2" dur="indefinite" nodeType="mainSeq">
+                <p:childTnLst>
+                  <p:par>
+                    <p:cTn id="3" fill="hold">
+                      <p:stCondLst>
+                        <p:cond delay="indefinite"/>
+                      </p:stCondLst>
+                      <p:childTnLst>
+                        <p:par>
+                          <p:cTn id="4" fill="hold">
+                            <p:stCondLst>
+                              <p:cond delay="0"/>
+                            </p:stCondLst>
+                            <p:childTnLst>
+                              <p:par>
+                                <p:cTn id="5" presetID="3" presetClass="entr" presetSubtype="10" fill="hold" nodeType="clickEffect">
+                                  <p:stCondLst>
+                                    <p:cond delay="0"/>
+                                  </p:stCondLst>
+                                  <p:childTnLst>
+                                    <p:set>
+                                      <p:cBhvr>
+                                        <p:cTn id="6" dur="1" fill="hold">
+                                          <p:stCondLst>
+                                            <p:cond delay="0"/>
+                                          </p:stCondLst>
+                                        </p:cTn>
+                                        <p:tgtEl>
+                                          <p:spTgt spid="5"/>
+                                        </p:tgtEl>
+                                        <p:attrNameLst>
+                                          <p:attrName>style.visibility</p:attrName>
+                                        </p:attrNameLst>
+                                      </p:cBhvr>
+                                      <p:to>
+                                        <p:strVal val="visible"/>
+                                      </p:to>
+                                    </p:set>
+                                    <p:animEffect transition="in" filter="blinds(horizontal)">
+                                      <p:cBhvr>
+                                        <p:cTn id="7" dur="500"/>
+                                        <p:tgtEl>
+                                          <p:spTgt spid="5"/>
+                                        </p:tgtEl>
+                                      </p:cBhvr>
+                                    </p:animEffect>
+                                  </p:childTnLst>
+                                </p:cTn>
+                              </p:par>
+                            </p:childTnLst>
+                          </p:cTn>
+                        </p:par>
+                      </p:childTnLst>
+                    </p:cTn>
+                  </p:par>
+                </p:childTnLst>
+              </p:cTn>
+              <p:prevCondLst>
+                <p:cond evt="onPrev" delay="0">
+                  <p:tgtEl>
+                    <p:sldTgt/>
+                  </p:tgtEl>
+                </p:cond>
+              </p:prevCondLst>
+              <p:nextCondLst>
+                <p:cond evt="onNext" delay="0">
+                  <p:tgtEl>
+                    <p:sldTgt/>
+                  </p:tgtEl>
+                </p:cond>
+              </p:nextCondLst>
+            </p:seq>
+          </p:childTnLst>
+        </p:cTn>
+      </p:par>
+    </p:tnLst>
+  </p:timing>
 </p:sld>
 </file>
 
-<file path=ppt/tags/tag1.xml><?xml version="1.0" encoding="utf-8"?>
-<p:tagLst xmlns:p="http://schemas.openxmlformats.org/presentationml/2006/main">
-  <p:tag name="KSO_WM_BEAUTIFY_FLAG" val=""/>
-</p:tagLst>
-</file>
-
 <file path=ppt/tags/tag2.xml><?xml version="1.0" encoding="utf-8"?>
-<p:tagLst xmlns:p="http://schemas.openxmlformats.org/presentationml/2006/main">
-  <p:tag name="KSO_WM_BEAUTIFY_FLAG" val=""/>
-</p:tagLst>
-</file>
-
-<file path=ppt/tags/tag3.xml><?xml version="1.0" encoding="utf-8"?>
-<p:tagLst xmlns:p="http://schemas.openxmlformats.org/presentationml/2006/main">
-  <p:tag name="KSO_WM_BEAUTIFY_FLAG" val=""/>
-</p:tagLst>
-</file>
-
-<file path=ppt/tags/tag4.xml><?xml version="1.0" encoding="utf-8"?>
 <p:tagLst xmlns:p="http://schemas.openxmlformats.org/presentationml/2006/main">
   <p:tag name="KSO_WPP_MARK_KEY" val="37709b38-bf4a-49eb-a88f-b9ad2aafe04f"/>
   <p:tag name="COMMONDATA" val="eyJoZGlkIjoiMDc2NTI1M2FlZDExZTJkODc4MWQ0YWJkMTAyYjJlNjAifQ=="/>
@@ -17339,4 +19660,22 @@
     </a:ext>
   </a:extLst>
 </a:theme>
+</file>
+
+<file path=customXml/item1.xml><?xml version="1.0" encoding="utf-8"?>
+<s:customData xmlns="http://www.wps.cn/officeDocument/2013/wpsCustomData" xmlns:s="http://www.wps.cn/officeDocument/2013/wpsCustomData">
+  <extobjs>
+    <extobj name="ECB019B1-382A-4266-B25C-5B523AA43C14-1">
+      <extobjdata type="ECB019B1-382A-4266-B25C-5B523AA43C14" data="ewoJIkZpbGVJZCIgOiAiMjMxMDY0MzIyNjA2IiwKCSJHcm91cElkIiA6ICI3NTc3NDM2NzIiLAoJIkltYWdlIiA6ICJpVkJPUncwS0dnb0FBQUFOU1VoRVVnQUFBN1FBQUFDZ0NBWUFBQUE4YUNDK0FBQUFDWEJJV1hNQUFBc1RBQUFMRXdFQW1wd1lBQUFnQUVsRVFWUjRuTzNkZVZ5VTFmNEg4TThNd3dpSXVVdWxWOFUwOHZweVl5UWxNVGZVYTZKNVJVbTZwR2lab1lFTG1RdmNGQlAxdXFhWUYwM1I2OUpQaVZ3eFZNd1VGNjVZVXFqWnRWeXhRazFVdG9HWllaN2ZIOXg1THNQTTRDRE1Bdk41djE2OFh2TE1ka2EveitQNVB1ZWM3d0dJaUlpSWlJaUlpSWlJaUlpSWlJaUlpSWlJaUlpSWlJaUlpSWlJaUlpSWlJaUlpSWlJaUlpSWlJaUlpSWlJaUlpSWlJaUlpSWlJaUlpSWlJaUlpSWlJaUlpSWlJaUlpSWlJaUlpSWlJaUlpSWlJaUlpSWlJaUlpSWlJaUlpSWlJaUlpSWlJaUlpSWlJaUlpSWlJaUlpSWlJaUlpSWlJaUlpSWlJaUlpSWlJaUlpSWlJaUlpSWlJaUlpSWlJaUlpSWlJaUlpSWlJaUlpSWlJaUlpSWlJaUlpSWlJaUlpSWlJaUlpSWlJaUlpSWlJaUlpSWlJaUlpSWlJaUlpSWlJaUlpSWlJaUlpSWlJaUlpSWlJaUlpSWlJaUlpSWlJaUlpSWlJaUlpSWlJaUlpSWlJaUlpSWlJaUlpSWlJaUlpSWlJaUlpSWlJaUlpSWlJaUlpSWlJaUlpSWlJaUlpSWlJaUlpSWlJaUlpSWlJaUlpSWlJaUlpSWlJaUlpSWlJaUlpSWlJaUlpSWlJaUlpSWlJaUlpSWlJaUlpSWlJaUlpSWlJaUlpSWlJaUlpSWlJaUlpSWlJaUlpSWlJaUlpSWlJaUlpSWlJaUlpSWlJaUlnY2xzVFdEYWdPYjIvdnJ3RU1zSFU3Nkg4RVFjakl6TXpzYWV0MkVCRVJFUkZSM1NlMWRRT3FpY21zblpGSUpDL2J1ZzFFUkVSRVJPUVlaTFp1UUUzNDdydnZiTjBFQXFCUUtHemRCQ0lpSWlJaWNpQzFmWVNXaUlpSWlJaUlIQlFUV2lJaUlpSWlJcXFWNnNTVVl5SmIrVzloc3VZYWpjWS9LeXZybmcyYUlQUDI5bjVMRUlSM0FIU1ZTQ1QxYmRBR1IxWWtDTUpsQUFtWm1abWJBYWh0M1NCSHdhS0E5b2RGQVltSXlCWTRRa3RVUFFNQWRKYkpaTjkwNmRLbGhaVS9XK2J0N1owSUlFRWlrYnpDWk5ZbTNDUVNpWTlFSXZsbjkrN2RVd0E0MjdwQkRvVEpySjFoVVVBaUlySUZqdEFTMVl3Ly96ZXA3Vyt0a1ZwdmIrKzNBUHpWMDlNVFVWRlJhTisrUFJvMGFHQ05qNmIvS2lnb3dJMGJON0JzMlRMOCtPT1BBN3QzN3g2Wm1abTUxTmJ0Y2lRc0NtZ2ZXQlNRaUloc2hTTzBSRFhBMDlNVCtGOVNhNVdSMnY5T00wWlVWQlM2ZCsvT1pOWUczTjNkMGJselowUkhSd01BSkJKSnNJMmJSRVJFUk9SUW1OQVMxWUFOR3piWUlxbnRDZ0R0MjdlM3drZFJaVnExYXFYN1l3ZGJ0b09JaUlqSTBYREtNVkVOYU5xMEtUWnMySURKa3lmanhvMGJWcGwrckZzenk1RloyNnRmWDF5KzdHckxkbGliSFJSRkkzSklMSXBtZjFnVXpYb1kvL2JIMXZIUEVWcWlHcUpMYW0weC9aaklSbXhaRkkzSWtiRXpiMmRZRk0ycUdQOTJ4dGJ4enhGYW9ocGtpNUZhSWp2QVdDZXlBUlpGc3c4c2ltWWJqSC83WUEveHp4RmFvaHJHa1ZweU5JeDFJaUlpc2hVbXRFUVd3S1NXSEFsam5ZaUlpR3lGQ1MyUmhUQ3BKVWZCV0NkSDVPM3QvYlczdDNjV1k1MGNFZU9mN0FrVFdpSUxZa2VmSEFWam5Sd1FpNktSSTJQOGs5MWdRa3RrWWV6b2s2TmdySk9EWXF5VEkyUDhrODB4b1NXeUFudnY2QmNXRnRxNkNWUkgySHVzRTlVMHhqbzVNc1kvMlFNbXRFUldZcThkL2V6c2JDeGV2TmprNDFsWldmajAwMDhOanBlV2xzTFB6dzlhcmRhU3phdXlXN2R1WWVQR2piWnVoa096MTFnbnNnVEdPamt5eGovWkErNURTMlJGdHR5bmR1dldyZGk3ZDYvZXNYMzc5bUhKa2lXNGZmczJnb09Eb2RGb1VGeGNqRDE3OXNEWjJSbEEyZDNYMk5oWXFGUXF6Smd4UTN5dFZxdUZVcW1FVktwL1gremV2WHNZTm14WWxkcDIvdng1OGM4OWV2UkF5NVl0alQ3djExOS94YmZmZnF2MzNHZWVlUVlBa0plWGgyKy8vUmFIRHgrR0lBZ21QMnZRb0VGbXRhbTR1QmlMRnk5R256NTl6SG8rNmVPZXpPUW9HT3ZreUJqL1pBK1kwQkpabWEwdS9xR2hvZkR5OHNLOGVmT1FtcG9LbVV5R0xWdTJRQ2FUSVRrNUdVcWxFbUZoWVFnTURCU1RXUUJvMEtBQjFxNWRpN0N3TUl3YU5RcHQyclFCVURaQzYrVGtaUEE1TFZxMDBFdFFkV2JObW9VSER4NGdJU0doMG5ZNk96dGovLzc5UmgvejlmWFYrNzF4NDhaSVRVM0YzYnQzRVJ3Y0RKVktoYjE3OTZLb3FBaUppWWw2ejkyNWN5ZWVlKzQ1cEthbUFpaExnSFhKc003Rml4ZlJ1WE5uQUVCZ1lDQzh2THdxYlN0VmpoMGRjaFNNZFhKa2pIK3lOVTQ1SnJJQlcwM0p2SFRwRWdZUEhneVpUSWFzckN3a0p5Zmp5cFVyQ0FnSVFFQkFBSzVjdVlJZE8zWWdJQ0JBNzNVZUhoNUlTa29TazFrQVVLdlZFQVFCcGFXbFQvemNzMmZQNHZqeDQ1ZzJiZG9UbjZ0V3F4RVVGR1QwUjYxV0czMU5TRWdJQUNBeE1SRUtoUUpIang3RjhlUEh4UjkzZDNkSUpCSzkxOHlmUHg4UkVSRzRmdjA2Z0xJUjU5RFFVQURBNWN1WDBiUnBVN1Jvd1psVDFjWHB4K1FvR092a3lCai9aRXRNYUlsc3hCWVgvNHlNREFRRkJRRUFPblRvZ004Kyt3d0FrSnljRExsY2puUG56aUU1T1JrbEpTVUFnS2lvS0F3WU1BQURCZ3d3bUZxY241OFByVmFMN096c1NqL3o4ZVBIaUkyTnhaQWhROUMxYTljbnR0SFoyUm1KaVlsR2Y4cVBIQnZ6ODg4L1kvTGt5UWdLQ3NMOSsvZkY0NElnNkxWZnFWUmkxYXBWR0Rod0lDWlBub3g5Ky9aQm85R0k3Ly9MTDc4Z01ERHdpVzBsODdDalE0NkNzVTZPalBGUHRzSXB4MVRqT3V2bWJOSVRXWE9hVG01dUxuNzQ0UWZNbWpWTFBMWm56NTVLWHhNYkd3c0FVQ2dVQm8vcEV0bUxGeStpYmR1MlJsK3YxV29SRlJXRmV2WHE0Y2lSSTRpTWpNU3BVNmN3Y09CQU5HalF3T2hyMUdvMVhuLzlkWk9QR2FNYmZZMkppY0d0VzdmZzRlRUJyVmFMKy9mdm8zbno1aWd0TFlWTVZuYTV1M0hqQnNMRHcvSG1tMi9palRmZXdDdXZ2QUtnTE1sMWRYVUZBSk9mVDArUFU5TElVVERXeVpFeC9za1dtTkJTalhOMmRzNnlkUnRxRTJ0ZC9GTlNVcURWYXNVa2R0U29VUURLUmxDRGdvTHc0TUVEY2ZUMjhlUEhUM3kvek14TWRPM2FGYWRQbjhidzRjTU5IaGNFQWJHeHNiaDgrVEsyYnQyS1VhTkdRYWxVSWkwdERaOSsraW5lZi85OWpCZ3h3bUFxOEpvMWE5QzdkMitqbjNubXpCbURZMnExR3M3T3p0Qm9OQUNBa3lkUFl0aXdZVWhMUzBOT1RnN0N3OFAxRWxwUFQwOGtKQ1JnMmJKbDJMZHZINVl0VzRhMmJkdmkxcTFiSnBOc3FobnM2SkNqWUt5VEkyUDhrN1V4b1NXTGFOKyt2YTJiWURVMThWMnRjZkZQUzBzenFCNnNVcW5RdEdsVEpDWW1ZdWpRb1dJaEpWT1ZnUFB5OG5EMzdsMjBiOThlUjQ4ZXhadzVjN0Jnd1FJOGZQZ1FqUnMzRnArbjFXcXhkT2xTcEthbTRwLy8vS2U0OXRiVjFSV3JWcTNDaVJNbjhJOS8vQVA3OSs5SGRIUTBTa3RMRVJFUllmUXo3OTI3WjNRdGEwcEtDb0N5NU52ZDNSMUtwUklBY09yVUtheFpzd2I1K2ZtSWlJZ3dTR2lCc3NKVksxYXN3TW1USi9Ic3M4OENLQnU1ZmY3NTU4MzZ1NlNueDQ0T09RckdPamt5eGo5WkV4TmFzb2pkdTNmYnVnbTFqcVV2L2pFeE1aZ3laWXJlc2J5OFBNamxjck5lZiszYU5YejQ0WWVZT25VcWJ0MjZCU2NuSi9qNCtHRHc0TUZJU0VoQVpHU2srSjV6NXN6QjlldlhzV25USnJ6NDRvc0c3OVd2WHo4b0ZBcXNXTEVDNDhlUFIzSnlzcGlnN3R1M0QwMmFOTUdycjc2SzB0SlN2UHp5eStKakZibTZ1dUxubjMvRzg4OC9EeWNuSjV3OGVSS1hMbDNDNk5HamtaK2ZqNktpSXR5N2R3OXF0Um95bVF6bnpwMURkSFMwMGZmS3pjMUZnd1lOREpKNVhWVmtxam5zNkpDallLeVRJMlA4azdXd0tCU1JIYkZrUVFYZFNHUjUxNjVkUTI1dXJ0NlU0NkNnSUwwcHg3cVJ6Mm5UcG1IZXZIbm8xcTBibGk5Zmp1blRwME1pa1dEY3VIRklUazVHUmtZR0FPRCsvZnR3ZG5iR3pwMDdqU2F6T2cwYU5FQk1UQXgyN2RxRmhnMGJBaWhMS3VQaTRneTJBM3I5OWRmMWZuYnUzQWtBT0hEZ0FQYnUzWXRyMTY1aDRzU0phTlNvRVdiUG5vMm9xQ2pFeDhjakpDUUU5Ky9maDBxbGdyT3pNM3IyN0luVTFGU0RuOG1USndNQS92YTN2K0h3NGNONmo1RmxzSGdJT1FyR09qa3l4ajlaQTBkb2lleU1wZTlvNnRiSnRtblRCbWxwYVFnTURNVDA2ZE5OVGptK2VmTW0yclJwZzdpNE9MaTd1eU1zTEF6Ky92N2lPdGNtVFpvZ01qSVNrWkdSV0xwMEtYcjM3bzAxYTlhWTNSN2ROT2k4dkR4RVJrYkN4OGNIcTFldnhvTUhEK0RuNXdjQUp2ZWwzYkZqQjI3Y3VJSFBQdnNNNzc3N0xwWXVYWXFSSTBkQ3E5VkNLcFdpVTZkT3lNaklRT1BHalEzVzZnSkFVVkVSNHVQamtaS1NndFdyVitQUW9VTVlPM1lzNXN5Wlk3UVFsamxZRk0xOHZIdFBqb0t4VG82TThVK1d4b1RXU29xTGl6Rno1a3hFUjBmWCtEcTljK2ZPSVNrcENRc1hMaFNydEFMQW9VT0hvTkZvV0xHMUZyTFV4WC9TcEVrWU9uUW9BT0R1M2JzSUNncENRa0tDK0xoS3BZSldxOVhiVzdaang0N1l0V3NYbkp5Y0VCd2NqRTZkT29uVGkzVUNBZ0tRbTV1TCtQaDQ5T3JWeTJDRTlVa3VYNzZNRHovOEVINStmcGc5ZXpheXM3T3hhZE1teE1mSFF5YVRpZHNHQ1lJQXJWWUxqVWFEY2VQRzRkaXhZMWkvZmoyYU4yK091WFBuaXV0azE2NWRpeSsrK0FJeW1Rek96czZZUFh1MitGa2FqUWFYTGwzQzhlUEhrWnljako0OWUrTHp6ejlIOCtiTjhlcXJyeUl0TFEzejVzMUQ3OTY5TVdQR2pDb1hpbUpSdEtwaFI0Y2NCV09kSEJuam55ekpjTWlpRnZIMjloWUE0THZ2dnJQbzU2aFVLdmo2K3NMZDNWM3ZlRUZCZ2Q2eGdvSUNaR1JrbU96TXIxMjdGams1T1ZpOGVMSEJZMVVkRFZxOGVER0dEQmtDb0t6SzY1dzVjL0Q0OFdOczNMZ1JVcWtVZVhsNUNBa0pRVnhjbkZpUXg5TEtmd2RMLzVzNGlnY1BIdWd1L2dEd28wYWpFUy8rMVkzLzc3NzdEaWRPbkJDVDA5bXpaMlBFaUJHSWpZMkZuNThmNXMyYlovQ2EyN2R2bzNYcjFpYmZVNlBSNkJWZktzL1gxeGVIRGgxQ2t5Wk5EQjRyS2lyQ2hRc1h4QkhaaWdSQkVKTlpvR3liSHFWU0NabE1CaGNYRjVQdDBZM1VsbTlmVUZBUUJFRkF2Mzc5TUhMa1NLUG5SMTVlSGhZdFdvUk9uVHBoL1BqeEp0Ky92UEx4NzJoRjBYVGJPMVZIWmJGdWpMV3UvMlFlWGZ4ZnVIQ2hWdmNycXVKcFk3Q3FzVjZUbjAyV3dmZzNIK08vN3JHSCtLL1ZKNTQxRTlyZXZYdmovUG56NGpGZHNacnluNjFRS1BRU1dtTkpzQ0FJZWxNZkN3b0tjT2JNR1hITGtmSjhmWDJ4YTljdW94MXVtVXdHcVZRcWJvV2kwV2hRV0Znb3JrVXNMaTVHY1hFeEdqVnFCQUFtaStyVUpDYTBsbUhxNGwvZCtOY2xoK1VUUGtkUVVsS0NldlhxbWZYY2l1ZHJaUmovMVZlVmpnNDdOUGJGSGpvMDFsYWRHS3h1cC81cFAvdXJyNzdDYTYrOXBuZE1kMFB4bFZkZTBmdi9vS1NrQk03T3ptYjlIM0grL0huNCtQamcvdjM3Y0hKeU1ucmpzaW8yYjk2TTRPQmd1TG01VmV0OWdMSmxNK1gzU3JmRXJEYkdmOVhZS3Y3Sk11d2gvaDJySjJ0bEtwWEtvTURNc1dQSDlINVhxVlFRQkFGeXVkemdCd0NjbloyTlBxYjdEK2Jldlh0SVNVbEJhbW9xenA0OWk1U1VGTnk3ZHcvZmZQTU4wdFBUa1pLU2d2ejhmRnYrTlZBMVdhcWdnbFFxZGJoa0ZvRFp5U3dBczVOWnFoa3NIa0tPd2xheEhoY1haM0JzK2ZMbG1EdDNMdExTMHZTT0h6aHdBR0ZoWWNqTnpjV2dRWU13ZE9oUThVZFhaK0hnd1lNQUlDN3JPSGZ1SEVKQ1FuRDU4bVh4ZlJRS0JmcjI3U3YrUEdsRzJzOC8vNHo5Ky9mckpadkdEQmd3QUFFQkFRWS9Bd1lNQUFCTW5Ub1ZBREJ4NGtTOTEzbDdlME9yMVNJOFBGeThzWnVYbDRjTkd6YWdXN2R1bFg0bTFReGU2Nm1tY1EydG1iUmFyWGlSTE0vWXNacTBlUEZpZE96WUVaTW5Uelo1cDlMWTNjVHl4NHFMaXkzV1BySU9ZMnRQYk4wbVc2ZzRoWmpxSGx1c3N5b3NMRVQ5K3ZVdDlmWU9oVVhSekdjUGF3cVRrcEp3OWVwVmJObXlCVE5uenNSTEw3MGtWc1FmTTJZTTh2UHpzVzNiTmdCbE03MTAxMkJkUXJ0Ky9Yb01IejVjZkwrQWdBQzR1YmxoMGFKRjJMNTl1L2o4a3lkUGlzL3g4ZkhSYThQRml4ZngvdnZ2aTc4WEZSWEJ4Y1VGL2ZyMU05bHUzZnNsSnljYlBLYnJsMTIvZnQzZ3NZcXoyb1lOR3diZ2Y3UGEzbnZ2UGZHN1BnM0d2L25zSWY2cDdtQkNheWFwVklyang0K0x2K3VtSEpjLzlyUlZVU3NUSEJ5TXp6Ly9ISUdCZ2ZqZ2d3OHdjT0JBZytkVXJBQ3JVQ2owanBsYWwwaTFpKzdpLys2NzcrTG16WnQvcm9uM3ZIWHJGdmJzMllNWk0yYlV4TnVaOU1zdnYrRGh3NGNHSFJtZDNOeGNmUFRSUjFpM2JwM1J4LzM4L0pDUWtJRDE2OWZqazA4KzBYdnM3dDI3bURCaEFwS1Nrc1NiUGpkdjNzVENoUXYxQ2w2WlVseGNqS3RYcjZKTGx5NVYvRlprS2RiczZHUm5aeU0rUHQ3a091Q3NyQ3ljT25WS0hPM1JLUzB0UmQrK2ZaR1dsdmJFbXl4Mzd0ekI5OTkvajRDQUFMUGFkUFhxVlRnN08rdEdMNm9rSlNVRlRabzBRYytlUGF2ODJwckFvbWhWWTYxWUR3b0tnbHF0RnJkbm16UnBFdkx6ODVHUWtJQXRXN2JBdzhNREVSRVJtREpsQ3VMaTR0Q3laVXVVbEpSZzRzU0pFQVFCaHc0ZEFnRDQrL3ZyOVhzcXlzM054WUFCQTlDdlh6K3gzL1NuUC8xSjd6bE9UazdJeTh2RE04ODhBd0RvM0xtem1LQmV1SEFCeTVjdng3Lys5Uyt6OWtpdjZ2VGdlL2Z1NGZUcDAzckhGQXFGM3RUVjZ2U1pHUDlWdzZTV2Fnb1RXak9VbHBiQzJkbTVTcTlScTlVQTlMYy9lUnFlbnA3WXVIRWprcEtTTUgvK2ZCdytmQmh6NTg2dDl2b1VxcDFrTXRrVHAyRlZ4VmRmZmFXMzU2d3BBd1lNMEt0OGJFeFJVWkhlT3ZQeUNnc0xFUlVWaGIxNzl4b2RDZnZwcDUvUXRHblRTdCsvUTRjT3lNdkxNMWdQZGZEZ1FYVHQybFZ2QnNPSkV5Zk1UbER2MzcrUDZkT25ZKy9ldmVJYWRMSzltdTdvYk4yNkZYdjM3dFU3dG0vZlBpeFpzZ1MzYjk5R2NIQXdOQm9OaW91THNXZlBIdkdhNytucGlkallXS2hVS3IwYlAxcXRGa3FsMHF3WkE4N096bGkzYmgyOHZMelFvVU9ISno1LzgrYk42Tk9uejFNbHRCNGVIdGk1YzZmSmhOWlVrY1B5Q2dvS2tKNmVibFpDWVl5akZVV3JMbXQwNmhNVEUzSDA2RkdzWHIwYXUzZnZ4dEtsUzNIaXhBbkV4OGZEdzhNRFFGbXlXbHBhaXREUVVNVEd4dUxqanovRy9QbnowYU5IRDdNK283aTRHT1BHamNQbzBhTVJHaHFLTTJmT1lPSENoZmp3d3cvMW5oY1FFSUNSSTBlaXRMUVVIM3p3Z1RqQys5dHZ2MkgyN05sUXFWUW1FOVZEaHc3cG5YUGxiOTdyUm9QTGovWWFZK2xaYll6L3FtRlNTeldCQ2EwWlNrcEtvRktwakNhbnBoTFd3c0pDdUxtNVZYb25Fd0RtenAzN3hIVjZFb2tFWThhTVFjK2VQVEYzN2x4a1pXWHBUY1hSYmNOU1h2bGpuSEpjTnp4Ky9CanZ2Lzgrcmx5NUFrRVFia2dra2lyM2RuVXpDeW9tYmhXbnpqOSsvRmp2anZXVDRyaW9xQWg5K3ZRUmYxY29GS2hmdjc1QkFiU2hRNGNheEh0MGREUisrdWtucEtXbElTQWdBSk1tVFRMWXgxYXBWSXF6RXlaT25JalZxMWVqYytmTzhQZjNSMkZoSVp5ZG5jWHZjUHo0Y2FTa3BPRDI3ZHRJU2tvUzMyUG56cDA0Zi80OE5tellJQjdURlgxeWNuTEM2Tkdqalg2MzFOVFVTcjg3V1U1TmRuUkNRMFBoNWVXRmVmUG1JVFUxRlRLWkRGdTJiSUZNSmtOeWNqS1VTaVhDd3NJUUdCaW9kd096UVlNR1dMdDJMY0xDd2pCcTFDaXhTRjlwYWFuSml2WUtoY0xvelpISmt5Y2JIRHQ4K0RBT0h6Nk1sU3RYQWlpcnhLMVNxZkR2Zi84Ynk1Y3ZOL2w5dG03ZGl0RFFVTDFqYXJVYWFyVWFibTV1Nk51M3I4RnJ5ay83TFA5blkrMnZqdDI3ZDFmcjlZN0lHcDM2bzBlUG9xU2tCTnUyYllPdnJ5LzY5T21ES1ZPbUdEeHYzYnAxOFBUMHhQejU4ekZyMWl6czJMSERyUGQzY1hIQmhnMGJNR1hLRk1oa01uVHIxZzB6WnN3d0tFSVZIUjJONk9ob3ZXUFoyZGtJRHc5SGJtNnV5VUkvQ29VQ2dpQ1kvUHdSSTBZZ09Ublo1RXdmSFV2UGFtUDhWeDJUV3FvdUpyUm15TXZMZzVlWEYzYnUzQ2tlMHlVRzVUdTc1VHNCdi83NnE3Z09wVEpMbGl3eHV4MnRXN2ZHOXUzYjllNU9ybG16eHFEem9WQW85Tlovc0FwYzdhZExabi84OFVjSWduQkRyVmIzbGN2bHQ1LzIvU3BMVUhXeFhWMkhEaDNTMjhOVm9WRGcyTEZqUmtkOUVoTVQ4ZlhYWDR1eFhmRU91cCtmbjBHYlMwdEw4Zmp4WTZTbnA0dS8rL241NGNLRkMzQnpjeE9QQTBELy92MGhrOGt3ZXZSb01YSDk0WWNmc0hMbFNzVEZ4YUZodzRaNDhPQUJwazJiaHFpb0tIVHMyTEhhMzU5cWhxbU96dE84MTZWTGx6QjQ4R0RJWkRKa1pXVWhPVGtaZVhsNUNBZ0lnRktwUkVGQkFmNzQ0dy9zMkxGRGIyMmVoNGNIa3BLUzlLNjlhclVhZ2lDWVRHeFRVMVBoNU9TRWtwSVNoSWFHWXRHaVJYamhoUmVNdG12RWlCRVlNV0lFZ0xMT2ZzdVdMUkVXRnZiRTcxTStLYzNMeThQRWlSTXhZY0lFREJzMkRGcXRGcmR2MzlhYnpVRDJ6WktkK2hzM2JrQVFCTlNyVncrWEwxOUdseTVkMEtaTkc2U2twT0RZc1dObzFhb1ZYbnJwSmZ6MDAwOW8xS2dSNUhJNWV2VG9nYVNrSkwzWk0wKzZBZCt5WlVza0pDVEExZFVWYm01dWlJaUl3S3BWcS9UK0w4akx5ME5oWVNHKytlWWJQUFBNTThqTXpFUmtaQ1RDdzhPeGFORWlzNmZtNjlyU3ExY3Z0RzdkR3ZmdjMwZFFVQkR1M0xtRHMyZlBQc1hmRXRrU2sxcXFEaWEwWnZqMTExL1JzbVhMS3IzbTBxVkwrUE9mYTJTWm81N3lIYXJLcGpNYmUyemN1SEY0NjYyM2FyeE5aRm5Ha3RsTGx5NWxlM3Q3MjdwcFZmYVh2L3hGNzNjdkx5OHNYYm9VM2J0M041aTZPWERnUURINUxTNHVGbWNkT0RzNzQ4Q0JBK0x6ZE0vUlRZaytkT2lRUVZWTGpVWWpqcnFOR1RNR1NxVVNRTmxNaXIvOTdXOEFnUHo4ZkdpMVdzeWFOVXQ4M3oxNzlsVC9TMU8xMVZSUnRJeU1ETXlaTXdkQTJSVDJ6ejc3REcrODhRYVNrNU14ZE9oUW5EdDNEc0QvcnA5UlVWSGlqWkdLTjFSMDhaS2RuVzB5YVJ3MGFCQTBHZzN5OC9QRllqUGwxYXRYVHk5eHZuanhJbjc3N1RlRWhvWWFMVGhZWEZ5TWtwSVNKQ1ltNmlYSEJRVUZDQThQeDVBaFE4UWlOOW5aMlpnOGVUSldyVnFGVHAwNkdieVhwUXNhMHRPeFZLZCs5ZXJWZVBQTk54RVRFNFBvNkdob05Cb01IejRjUjQ4ZXhZTUhEM0RseWhXODlOSkwrT2MvLzRtUWtCQnhHdkwxNjlmRnl2RG1ibU4yNTg0ZHVMaTR3TXZMQy9IeDhWaTJiQmsyYmRva3ZrZHdjRENhTkdraXJxR1ZTcVVJQ1FuQlgvLzZWeXhhdE1ob29TZkFjT2FBYnJUV3c4TURpWW1KQ0FnSVFHSmk0aFBYMVhKV20vMnF5MGx0YVdrcEhqMTZoS1pObTBLdFZsZDVLU05WamdtdEdiNy8vbnVqSFlMS0hEbHlCR1BIanJWUWk4cVltZ3FwVUNnNFRiS09NSlhNVnZkOXE3SzJXNmxVR2lTaVQrdnc0Y05HUjJnMUdnMThmSHpnNGVHQitmUG53OGZIQnhxTkJsOS8vVFdBc2hGYTNhd0RZMU1weTR1S2lzS3FWYXRRV2xvcVRzMHZMUzBWUC9mMzMzOFhpNExzM3IwYjd1N3VHRFpzR0RadjNvekdqUnRqNU1pUmtFcWxMS1ptWjZwYkZDMDNOeGMvL1BDRGVNTUN3Qk52V09nS1JSbWJncHVkWFhZYVhyeDQwV1JDbTVTVWhOR2pSeU1wS1FsdDI3WkZkbmEyUVlFY25hS2lJc1RFeENBK1BoN05talhUUzZEVmFqVjI3OTZOTDcvOEV1UEhqOWRiVzN2MzdsMUVSa2FpZS9mdW1EUnBFb0N5anY1enp6MkhpSWdJUkVSRVlNdVdMV2pkdXJYZTUxVXNhSGpxMUNseEhib2xDaHlTK1dxNlU2OVNxZURrNUlSZXZYb0JnSmhJZHUzYUZXZlBua1gzN3QyeGVQRmlxRlFxWEwxNkZlVnZscTVZc1FJelo4NEVVRlpRcVhuejVrLzh2TzNidDZOYnQyN3c4dkxDaXkrK0NEYzNOeHc5ZWhTREJ3L0cvLzNmL3lFbkowZWNZcTlyUjlldVhhdjBuWXFLaXZSR2ZjM0ZXVzMyeng2VFdxVlNLZFl2Q1E0T1JueDhmSlZyYm1SbloyUHExS25ZdTNjdnhvMGJoN0ZqeDJMa3lKRUFnQTBiTm1ESWtDRlZubEZqaVQyVmF5c210RStnMFdodzZOQWhrMnN5ZEZQT0hqNThDS2xVQ29sRWdwTW5UK0szMzM1RC8vNVBOU3VPQ0lEbGtsbWc4bldoRmFjY0M0S0Fnb0tDU3YrVEx5NHVObGlEV3BVOVhDTWlJbkR3NEVHOU8vT0ZoWVhpWGZQeUk3UVZWUnhwa2txbEdEVnFGTUxDd3RDeFkwZDRlSGhBbzlIb0pkSVBIejdFMHFWTGtaK2ZqOFdMRndNb20vWVpHeHVMUFh2MkdLenZJdnRRbmFKb3VpMUhkRW5zcUZHakFKU2RaMEZCUVdMMVY5MnhKOG5NekVUWHJsMXgrdlJwdlcxTGRDUVNDVmF0V29YWFhudE43S1NNSERrU0dSa1pCbE9VdFZvdFltSmljUFBtVFRScjFzemd2UUlEQXpGaXhBaDgvdm5uZXQrL3FLZ0liN3p4QnZMejgzSG56aDNzM2JzWHpzN09rTWxreU0zTlJidDI3ZEM0Y1dOTW56NGQyN1p0Zzd1N08rUnlPUklURTVHYm0ydXl1T0RSbzBlZnVpQVUxWXlhN05UTDVYTDg0eC8vTURqZXQyOWZuRDE3RnYzNzk0ZEdvOEhaczJmeDhzc3ZpL0ZaVkZTRTI3ZHZvMHVYTGpoeTVBZ09IRGlBa3BJU1BIejRFRWVPSERINldjWEZ4Zmozdi8rTnlNaEk4ZGk4ZWZNd2FkSWszTHg1RTE5ODhRWFdybDFiNmF3M2N6cmgyZG5aQmpkcGREUWFEUUREclhjNHE2MzJzS2VrTmljbkIyKzk5UmFPSERrQ3FWU0txMWV2aWpGV0ZTNHVMdEJxdFpETDVWaS9majFXcmx3SmYzOS84YnI4OXR0dlkvMzY5V2pTcEFuKyt0ZS9WdnBldXB2eTN0N2VTRXhNUkhoNE9EWnUzQWlwVkNydXFXeHN6K202akFudEUvejQ0NDlvMWFxVndWMFRpVVFDVjFkWGFMVmErUG41UWFQUndNL1BEMUtwRk0yYU5jUGN1WE9yUFoxZ3dZSUZSanMzVDFMWjNtMVVPMWd5bWJVRUZ4Y1hNUmxWS3BYaStWRXgyYXc0MG52czJERklwVklFQkFUZzBhTkg0dHFwN2R1M28zNzkrbUtIcExJUld0MUlVL2xFdkYyN2RoZ3paZ3lXTFZ1RzVjdVhHMVFxajQrUHh3c3Z2SUNNakF5OCsrNjdldTgzZXZSbzNMeDVzenAvSFdRQjFTMktscGFXWnRDSlZxbFVhTnEwS1JJVEV6RjA2RkFrSmlZQ01OM3h6Y3ZMdzkyN2Q5RytmWHNjUFhvVWMrYk13WUlGQy9EdzRVTTBidHdZQU1US3gxS3BGTW5KeVhCM2Q4ZkJnd2ZGOXlqLzN2UG16WU8vdno4U0V4UFJva1VMT0RzN1E2dlZHdHdNTFNnb3dQYnQyN0Y5KzNieDJNR0RCL0hNTTgvZ1gvLzZGOXpkM2VIczdJekJnd2ZqMUtsVDBHcTFlUG5sbC9IRkYxOEFLS3VhbkorZkwxWTJQblhxRk83ZXZZdlpzMmNiL1o1UHFqaE8xbEhUU1cxRlE0WU1RWThlUFNDVHliQmp4dzVFUlVYcDNUajg0WWNmOE9LTEw4TFYxUlg1K2ZuWXZIa3p1blRwZ2drVEptRGR1blZvMWFxVlFkSjQrdlJwZUhwNjRybm5uaE9QdWJtNW9VT0hEdGl3WVFOR2poeUpkdTNhVmRyV2lrV2JkTXFQcko0L2Y5N29xTzY3Nzc1cmNxMDZaN1hWTHZhUzFINzU1WmZvMjdldldSWHRBUmk5aGdObGd3TkZSVVY2ZlpoaHc0Wmg5KzdkbURCaEF1N2N1WU8vLy8zdjJMMTd0OTdXVW84ZVBjTEFnUU1OQmhVc3ZhZHliY09FOWdtNmRPbUNGU3RXR0J5WFNxVml3S1ducCt1dDBhdnE5R1JUak4zMU4wZjVxVHhVKzFnam1hM3VkbEttSERod0FLMWF0VUxEaGczaDVPU0V4NDhmR3gyUkF2UXJWaVluSjJQUW9FRW0xMDQ5alhIanh1SCsvZnRRcVZTUVNxVjZDZTNjdVhNQkFGOTg4WVZlUjJiUW9FSGlLUEppWTZvQUFCQ3lTVVJCVk4yaVJZdHFyQzFVUFRWUkZDMG1Kc2Fnb210ZVhwN1pJNUhYcmwzRGh4OStpS2xUcCtMV3JWdHdjbktDajQ4UEJnOGVqSVNFQkhGRTZ0R2pSK0pVdElvZEVGM0h1ZUw1TUhqd1lOU3ZYMThzUEZXeEFyR1BqNC9KcXNTNnFzdm56cDFEdTNidGpNNk1lUHZ0dC9WK3YzRGhnc0hOcG9xRmVOcTNiNCtOR3pjYS9VeXlucG9zaWxhZXNmOERIajE2aEhQbnprRWlrV0RUcGswNGMrWU12TDI5a1p1Ymk1a3paMkxBZ0FHWU1XTUdFaE1UOGZiYmIyUHQyclZvMjdZdDh2UHpJWk9WZFNlUEhEbUMvdjM3UXhBRVhMNThHU2twS1VoSlNjR3dZY093ZCs5ZUpDUWs0TFhYWG9PdnJ5OThmWDN4NnF1dlZyb040YjE3OTZCV3EvSGJiNzlCTHBkREtwVkNFQVFjT0hBQVM1Y3VCYUNmQU90aTl2ZmZmNGRHbzRGVUt1VnNnMXJNVXZGdnJyeThQQ1FtSnFLb3FFZ3Z6b3d0dzFxOGVERUdEUnBrY2xhYmJyY0dVOWZ5T1hQbUlDY254K3paYlpiZVU3bTJZVUpyaHNyMjZ3UEtSbXU1dUp0cWdyVkdacXN5NWJncVU0ZDM3TmlCQVFNRzRNVVhYNnhXK3dEenB4eWJJcGZMMGJKbFMrVG01b3BGVGFqMnFhbWlhTWFxemwrN2RnMjV1Ym1WVGpuV0ZSQ2JObTBhWW1KaTRPbnBpZURnWUh6MDBVZVFTQ1FZTjI0Y0FnTUQwYWRQSDd6ODhzdTRmdjA2L3ZTblAySE1tREY0OU9pUndXZFc3QWlscHFaV2UxL3hnb0lDckY2OUdvR0JnU2FmTTJIQ0JLeGN1UkpLcFJMcDZla0dSUXVUazVQMTluSW0rMUZUUmRIS00yZEVVcmNkMnp2dnZBTi9mMyt4OG5aUVVCQWFObXdJdVZ5T0FRTUdRS3ZWaXVkT3ExYXQwTDkvZitUbjUyUGx5cFh3OXZiRzU1OS9McDUvQ3hZc3dKUXBVL0RWVjE4aExTME4vdjcrbGJiaDlPblQyTGx6SitSeU9hWk9uUXFKUkFKQkVEQjgrUEJLUjNydjM3K1BxVk9ud3NuSjZZbjFURGlyemI1Wkl2N045ZW1ubjZKMzc5N2kwaVNnTEdrOGZQaHdsV2V5dUxpNFFLMVdpL3NsbnpoeFFsd1dCWlFWdkRSVlk4RVVTKytwWEpzd29TV0xtREJoZ3EyYllEVWRPM1kwMkRqK2FkanJOT042OWVwQkxwZmoyMisvUlk4ZVBZdytSeEFFWEx4NEViZHUzVUoyZGpaNjl1ejVWSjkxNjlZdHBLU2s0TDMzM2pON3l2R1Q3a0QrL1BQUGxTWU11bzRZQUhIYUtOa0hTNXdUdW4vdk5tM2FJQzB0RFlHQmdaZytmYnJKS2NjM2I5NUVtelp0RUJjWEIzZDNkNFNGaGNIZjN4KzllL2NHQURScDBnU1JrWkdJakl6RTBxVkxrWmFXaHM2ZE80dUZkTXJUZFlSTTdWOWJWVnF0Rmw5Ly9UWGk0dUtnVUNqRWRleTZtMUJGUlVWd2MzUERIMy84Z1V1WExzSEZ4UVZ6NXN6QnFGR2pjUFhxVlN4YnRneHZ2UEZHcGU5djdqUTdzcXpxRmtYVHFjcjB3NDgrK2doQVdkenFDa25wREJreUJBQnc1c3dadmVQVHBrMFQvN3hseXhhajc5dWlSUXVEUFpSMWpFMnIxSzEzMTVGSUpFYlh0cGFmNGRPbFN4ZWNPblhLNkdkVXhGbHQ5cSttNHI4cXpwdzVneU5Iamp6MXZzSVYreXFwcWFsbzJMQWhIajU4Q0hkM2Q3RUk0S3haczNEOStuVW9sVXFUTTlwTXNmU2V5clVKRTFxeWlLeXNMRnMzd1dxeXNyS3FuZEJhTzVtdHlwUmpxVlNLcVZPbll2cjA2ZUpvbFRIMTY5Y1h0MEFwWHhERW5EMEY4L0x5a0orZmo3ZmVlZ3RqeG93eCtoeVZTb1dpb2lLRGk3MXV5azM1a2VYMDlIVE1uejhmN3U3dXlNbkpFYXUvVnJSa3lSSzlKRDA5UFIxLy9QRUhDZ3NMT2V2Q3hpeHhUa3lhTkVrYzZiOTc5eTZDZ29LUWtKQWdQcTVTcWFEVmFzVXRvSUN5RzFhN2R1MkNrNU1UZ29PRDBhbFRKNzM0QnNwaVBEYzNGK3ZXcmNPZE8zZXdmdjM2NmpSVGJFdEpTWW5CK20rZDI3ZHZJelEwRk0yYU5VTjRlTGplT1MyVlN1SHY3NC9odzRmRDFkVVZ4Y1hGWW1YT2h3OGY0cE5QUG9HTGl3c1NFeE1SRlJVRk56YzMrUHY3aStlV1JxT0JScVBCdEduVEVCSVNVdTN2UWpXak9rWFJxcU5pTWt0a0M5YU8vMmVmZlJZTEZpd1FSMUROVlZwYWlucjE2b2xUaTdWYUxYcjI3QW01WEE0UER3L2s1T1RneXBVcjZOaXhJN3k4dkxCdDJ6WUFyQzVmWFV4b3FjWnB0ZHJldG02RHRVaWwwak5QZmxibHJKbk1TaVFTS0JTS1N0ZkdhYlZhZ3owelEwSkNFQklTb3RmUnIvaStVcWtVU3FVU3ZYcjFFa2RFUTBORE1YWHFWS09qUEhGeGNlSklrbHF0UnJkdTNSQVpHWWtPSFRvWVBIZk5talhZc0dFRDl1L2ZMeVlrVGs1TzJMcDFxL2djSnljbjdOdTNEd0RRbzBjUGJOaXdBU1VsSldqVXFKSFI2YWE2NTVWMy9QaHhSRVJFb0Y2OWVoZzNicHpSMTVEbFdlcWNLRDl0L2M2ZE94Z3hZb1JZUUtaTGx5NDRmLzQ4WW1OakRhWkI2dGJnclZpeHdtUmwxWEhqeHNIZjN4OXIxcXhCNTg2ZG42cDk1ZGY2UFhqd0FDRWhJUkFFd2FDQ09BQzBidDBhMjdadFE2dFdyWXkrbDdHcXRuZnUzTUg0OGVQRnFjVmp4NDRWcDJQcUVubEJFTVMxN2J5cFl6K3FXeFNOcURhelJmeS84TUlMYU5hc0dYeDhmQXdlTTdhRzl2ejU4d0RLbGt1VjMxS3F1TGhZVE1UYnRHbURpeGN2WXZQbXpmamtrMCtxM1VidXFmdy81aStPczBQZTN0NEN3RDNEN0lYdTd0S0ZDeGRxZFZ4VlJYVmpzRG9kOTdvZS81YWE3cGlUazJNeXdhMk84bmRYNitxL2lUV1llMDVVTi82MVdpMEExSGlNQ1lKUXBYWG5kUVhqMzNJcUs0cG1yMy9YaFlXRm1EVnJGcVpObXdZdkx5K3pYcVBSYU1UaVVpVWxKVGgrL0hpVmF5ZllDdVBmY3V3dC9oVUtCWTRlUFdweURlM1ZxMWV4Y09GQzdOaXhBMEJabitQdHQ5L0dvVU9Ic0d2WExzVEZ4V0hvMEtHSWpvNkdXcTBXYnh3cUZBcGtaR1Nnc0xBUXYvenlpN2dmdEtrcXg5OTk5NTNSUFpYTFA4L1ljeXpCSHZyL0hLRWxzaEY3WFROckx5eTFkczhTeVN6VkRHdWVFNWFLTDBkTVpzbHlhcW9vbWpVSmdvQ0ZDeGZpMGFOSDhQVDB4SW9WSzhUWk14WHBsb3lvVkNxOCtlYWJtRGx6Smw1NTVSVThmUGdRQ3hZc3FEVUpMVmxHYll6L2E5ZXVvVjI3ZGxDcFZKREw1Y2pLeWhLM3NYSnhjWUZLcFVKNGVEaUFzbVZQZ3djUFJxOWV2UUFBZS9ic3daWXRXekJ4NGtSVTloMjVwN0loSnJSRU5zQmt0bTVqVWJTcTR6bEJwSysybmhNclY2N0V4WXNYc1hYclZzamxjbnp3d1FmNDRJTVBLbjJOWEM3SHdvVUxFUkVSZ1NWTGxxQkZpeGFzVHUvZ2FtdjhaMlJrb0d2WHJvaU9qc2FwVTZmZzR1S0Nqei8rR0xkdTNjS25uMzZLVHAwNklTMHREY09IRDBkT1RnNGFObXlJUzVjdUFRQysrZVliYk55NEVjOC8vendLQ3d2aDZ1cUs2OWV2RzJ3OXhUMlZEVEdoSmJLeTJucVJKdk94S0ZyVjhKd2cwbGRiejRtUFAvNFk1ODZkdzJlZmZZYlRwMCtqZWZQbTZOT25qMW12L2ZPZi80ejQrSGkwYnQwYWx5OWZScU5HalN6Y1dySlg5aEQvbXpadDBxdlRvZVBxNm1wMHV4d0ErT3FycjNEaXhBbUVoNGNqTURCUW5FYi8rKysvWTlLa1NaZzJiUm82ZGVxRThQQnd0R25UQnRldVhZT25weWRVS2hYKy92ZS9ZK1RJa1FES1ppejA2OWNQV3EwV0VvbkVhQjBGMHNlRWxzaUs3T0VpYldzS2hRSXRXclF3K2ZpOWUvZHE5Um9rRmtXckdwNFRSUHBxOHpuaDVlV0ZLVk9tSUM4dkR5dFdyTUR5NWN1ZitKcmMzRnh4RzZEeUJFRXdLTWlqMVdyeDVaZGZvbTNidGpYVlpMSXo5aEwvNzd6ekR0NTU1NTBxdmViNzc3L0hvRUdEeE1LWXVqWGg5KzdkdzlpeFk4VmRIMmJObW9YWnMyZkR6ODhQTGk0dWNIRnhFWk5ab0d6R3dva1RKNkRWYXNXdEU4M2h5SHNxTTZFbHNoSjd1VWpiZytUa1pLTjdyWlhmZXFlMit2Nzc3OC9hdWczV1V0MTFURHduaVBUVjluTWlLQ2dJU3FVU1lXRmhlTys5OStEajQyT3dGNlpTcWRUYmZ1WDA2ZE5paFZpZFpjdVdRU3FWR2t4Vjd0Mjd0OW1kZTZwOWFudjhkK3ZXeldpVis2NWR1NkpyMTY3aTczMzc5alhZcDdhaSt2WHJWL256SFhsUFpTYTBSRlpRMnkvU1JEV041d1NSdnJwd1RxalZhc3lhTlF2WHJsM0Q2TkdqSVpmTHhjSlBPZ3FGQXNuSnlTYW5GQXVDZ0ZPblRtSDI3Tms0Y2VJRWZIMTl4ZlcwdWtJN1ZQZlVoZmdIWVBSbVBWa2VFMW9pQzZzckYrbWFwSnQyUTQ2SjUwVGR4cUpvVlZkWHpvbUlpQWh4dXVYVE9uMzZORXBLU3RDclZ5OXMzcndaQ1FrSmlJdUxnNXViRzdSYUxWeGNYR3FvdFpiQitLKzZ1aEwvWkR0TWFJa3NpQmRwNCtyeWxHT3FITStKdW85RjBhcW1McDBUUVVGQjZOdTNMdzRmUHZ4VXIxZXBWUGprazA4d2Z2eDR5R1F5VEo0OEdYSzVISnMyYlJJVHhmTFRsZTBSNDc5cTZsTDhrKzB3b1NXeUVGNmtqVXRQVHpjNUpjZkp5UW5wNmVsV2JoRlpDOCtKdW85RjBhcW1ycDBUL2Z2M2YrclhDb0tBanovK0dLNnVyaGc3ZHF4NGZNS0VDUkFFQWJkdjM0YUxpNHRkVCtsay9GZE5YWXQvc2gwbXRFUVd3SXUwY1JVckhEOTY5QWpwNmVudzlmWFZXMDlWMnlzZGt5R2VFNDZCUmRITTUwam5SRkZSRVZ4Y1hKQ1Rrd1BBY0oyaFVxbkV3b1VMa1pXVmhjMmJOOFBKeVFtQ0lPRGh3NGQ0NXBsblVGcGFpdjM3OTZObHk1YTJhTDdaR1AvbWM2VDRKOHRqUWt0VXczaVJOazB1bHlNbEpVWDgzZGZYVi95enFlTlUrL0djSU5MbmFPZEViR3lzT0EyNVo4K2VhTkNnZ2ZqWTNidDNNV25TSkxpN3UyUHo1czE0OXRsbnhjZGVmLzExRkJVVkFRQ2FOR21DbUpnWTZ6YWNMTUxSNHA4c2p3a3RVUTNpUlpwSUg4OEpJbjJPY0U1czNMaFJyM2hUVEV3TW9xT2o0ZVRrWkZDbDJNUERBeEVSRWVqYnR5K2NuWjNGNHhLSkJGOS8vVFZLU2tvZ0NBSWFOR2dBaVVSaXRlOUFsdUVJOFUvV3g0U1dxSWJ3SW0wZWxVcGw2eWFRbGZDY0lOTG5LT2VFUXFIUSsxMG1rMEVtTTkzbDlQZjNOM3BjTHBkem01NDZ4RkhpbjZ5UENTMVJEZUJGMmp4cXRWcXYyRWQ1UVVGQmVzK2oybzNuQkpFK25oUGt5QmovWkVsTWFJbHFBQy9TNW1uZHVqWDI3TmtqL2o1cTFDZ0F3SFBQUFlmRXhFU0Q0MVE3c2VOQ3BJL25CRGt5eGo5Wm10VFdEU0NxQzNpUk5rLzVaTGI4NzZhT1UrM0RqZ3VSUHA0VDVNZ1kvMlFOVEdpSmFnQXYwa1RzdUJCVnhIT0NIQm5qbjZ5RlU0Nkpxa0VRaEF5SlJOSlFyVllQNGtXYUhCazdMa1Q2ZUU2UUkyUDhrelV4b1NXcWhzek16SjYyYmdPUnJiSGpRcVNQNXdRNU1zWS9XUnVuSEJNUlViV3c0MEwwUCt6TWt5TmovSk10TUtFbElxSnFZY2VGcUF3NzgrVElHUDlrSzNWaXluSEZEYnlKaU1oNjJIRWhZbWVlSEJ2am4yeXBWby9RQ29LUVllczJrSUZMdG00QUVWbkhmNi9CLzJISGhSd2RPL1BreUJqL1pHdTFlb1NXQlhuSXdSVUJjQ3NvS0lDN3U3dXQyK0xRaW9xS2RIOHN0bVU3ckkzWFlDSjI1c214TWY3Skh0VHFFVm9pUnlZSXdtVUF1SEhqaHEyYjR2QisvLzEzQUlBZ0NOZHQzQlFpc2pKMjVzbVJNZjdKSGpDaEphcTlFZ0JnMmJKbCtNOS8vb1BDd2tKYnQ4ZmhGQlVWNGRxMWExaXhZb1h1VUpJdDIwTkUxc2ZPUERreXhqL1pnMW85NVpqSWtXVm1abTd1M3IzNzZCOS8vSEhnbTIrK2Fldm1FSEJPcFZMRjJyb1Jqb1pGQWNuVzJKa25SOGI0SjN2QUVWcWkya3VkbVprNVZCQ0V1UUN5QUNodDNTQUhWQ3dJd28rQ0lDd3NLU2w1OWZMbHl5cGJOOGhSc0NpZ1hYS29vb0FzaWthT2pQRlA5b1FqdEVTMW16b3pNM01wZ0tXMmJnaVJOYkVnRmRrYVk1QWNHZU9mN0FsSGFJbUlpSWlJaUtoV1lrSkxSRVJFUkVSRXRSS25IQk1SRVJIVlFpeUtSbzZNOFU4NkhLRWxJaUlpcWtWWUZNMHVPVlJSTkZ0aS9Oc2x4ajhSRVJFUkVSRVJFUkVSRVJFUkVSRVJFUkVSRVJFUkVSRVJFUkVSRVJFUkVSRVJFUkVSRVJFUkVSRVJFUkVSRVJFUkVSRVJFUkVSRVJFUkVSRVJFUkVSRVJFUkVSRVJFUkVSRVJFUkVSRVJFUkVSRVJFUkVSRVJFUkVSRVJFUkVSRVJFUkVSRVJFUkVSRVJFUkVSRVJFUkVSRVJFUkVSRVJFUkVSRVJFUkVSRVJFUkVSRVJFUkVSRVJFUkVSRVJFUkVSRVJFUkVSRVJFUkVSRVJFUkVSRVJFUkVSRVJFUkVSRVJFUkVSRVJFUkVSRVJFUkVSRVJFUkVSRVJFUkVSRVJFUkVSRVJFUkVSRVJFUkVSRVJFUkVSRVJFUkVSRVJFUkVSRVJFUkVSRVJFUkVSRVZYSC93TTNEMzVYTHhDSUFnQUFBQUJKUlU1RXJrSmdnZz09IiwKCSJUaGVtZSIgOiAiIiwKCSJUeXBlIiA6ICJmbG93IiwKCSJWZXJzaW9uIiA6ICI2Igp9Cg=="/>
+    </extobj>
+  </extobjs>
+</s:customData>
+</file>
+
+<file path=customXml/itemProps1.xml><?xml version="1.0" encoding="utf-8"?>
+<ds:datastoreItem xmlns:ds="http://schemas.openxmlformats.org/officeDocument/2006/customXml" ds:itemID="s:customData">
+  <ds:schemaRefs>
+    <ds:schemaRef ds:uri="http://www.wps.cn/officeDocument/2013/wpsCustomData"/>
+  </ds:schemaRefs>
+</ds:datastoreItem>
 </file>